--- a/DOCS/Intro.pptx
+++ b/DOCS/Intro.pptx
@@ -5,7 +5,8 @@
     <p:sldMasterId id="2147483648" r:id="rId1"/>
   </p:sldMasterIdLst>
   <p:sldIdLst>
-    <p:sldId id="257" r:id="rId2"/>
+    <p:sldId id="258" r:id="rId2"/>
+    <p:sldId id="257" r:id="rId3"/>
   </p:sldIdLst>
   <p:sldSz cx="12192000" cy="6858000"/>
   <p:notesSz cx="6858000" cy="9144000"/>
@@ -104,6 +105,11 @@
       </a:defRPr>
     </a:lvl9pPr>
   </p:defaultTextStyle>
+  <p:extLst>
+    <p:ext uri="{EFAFB233-063F-42B5-8137-9DF3F51BA10A}">
+      <p15:sldGuideLst xmlns:p15="http://schemas.microsoft.com/office/powerpoint/2012/main"/>
+    </p:ext>
+  </p:extLst>
 </p:presentation>
 </file>
 
@@ -254,7 +260,7 @@
           <a:p>
             <a:fld id="{EF6EAEBE-D73E-42DB-BEEC-0E1D1642DD0E}" type="datetimeFigureOut">
               <a:rPr lang="en-US" smtClean="0"/>
-              <a:t>10/27/2019</a:t>
+              <a:t>11/2/2019</a:t>
             </a:fld>
             <a:endParaRPr lang="en-US"/>
           </a:p>
@@ -452,7 +458,7 @@
           <a:p>
             <a:fld id="{EF6EAEBE-D73E-42DB-BEEC-0E1D1642DD0E}" type="datetimeFigureOut">
               <a:rPr lang="en-US" smtClean="0"/>
-              <a:t>10/27/2019</a:t>
+              <a:t>11/2/2019</a:t>
             </a:fld>
             <a:endParaRPr lang="en-US"/>
           </a:p>
@@ -660,7 +666,7 @@
           <a:p>
             <a:fld id="{EF6EAEBE-D73E-42DB-BEEC-0E1D1642DD0E}" type="datetimeFigureOut">
               <a:rPr lang="en-US" smtClean="0"/>
-              <a:t>10/27/2019</a:t>
+              <a:t>11/2/2019</a:t>
             </a:fld>
             <a:endParaRPr lang="en-US"/>
           </a:p>
@@ -858,7 +864,7 @@
           <a:p>
             <a:fld id="{EF6EAEBE-D73E-42DB-BEEC-0E1D1642DD0E}" type="datetimeFigureOut">
               <a:rPr lang="en-US" smtClean="0"/>
-              <a:t>10/27/2019</a:t>
+              <a:t>11/2/2019</a:t>
             </a:fld>
             <a:endParaRPr lang="en-US"/>
           </a:p>
@@ -1133,7 +1139,7 @@
           <a:p>
             <a:fld id="{EF6EAEBE-D73E-42DB-BEEC-0E1D1642DD0E}" type="datetimeFigureOut">
               <a:rPr lang="en-US" smtClean="0"/>
-              <a:t>10/27/2019</a:t>
+              <a:t>11/2/2019</a:t>
             </a:fld>
             <a:endParaRPr lang="en-US"/>
           </a:p>
@@ -1398,7 +1404,7 @@
           <a:p>
             <a:fld id="{EF6EAEBE-D73E-42DB-BEEC-0E1D1642DD0E}" type="datetimeFigureOut">
               <a:rPr lang="en-US" smtClean="0"/>
-              <a:t>10/27/2019</a:t>
+              <a:t>11/2/2019</a:t>
             </a:fld>
             <a:endParaRPr lang="en-US"/>
           </a:p>
@@ -1810,7 +1816,7 @@
           <a:p>
             <a:fld id="{EF6EAEBE-D73E-42DB-BEEC-0E1D1642DD0E}" type="datetimeFigureOut">
               <a:rPr lang="en-US" smtClean="0"/>
-              <a:t>10/27/2019</a:t>
+              <a:t>11/2/2019</a:t>
             </a:fld>
             <a:endParaRPr lang="en-US"/>
           </a:p>
@@ -1951,7 +1957,7 @@
           <a:p>
             <a:fld id="{EF6EAEBE-D73E-42DB-BEEC-0E1D1642DD0E}" type="datetimeFigureOut">
               <a:rPr lang="en-US" smtClean="0"/>
-              <a:t>10/27/2019</a:t>
+              <a:t>11/2/2019</a:t>
             </a:fld>
             <a:endParaRPr lang="en-US"/>
           </a:p>
@@ -2064,7 +2070,7 @@
           <a:p>
             <a:fld id="{EF6EAEBE-D73E-42DB-BEEC-0E1D1642DD0E}" type="datetimeFigureOut">
               <a:rPr lang="en-US" smtClean="0"/>
-              <a:t>10/27/2019</a:t>
+              <a:t>11/2/2019</a:t>
             </a:fld>
             <a:endParaRPr lang="en-US"/>
           </a:p>
@@ -2375,7 +2381,7 @@
           <a:p>
             <a:fld id="{EF6EAEBE-D73E-42DB-BEEC-0E1D1642DD0E}" type="datetimeFigureOut">
               <a:rPr lang="en-US" smtClean="0"/>
-              <a:t>10/27/2019</a:t>
+              <a:t>11/2/2019</a:t>
             </a:fld>
             <a:endParaRPr lang="en-US"/>
           </a:p>
@@ -2663,7 +2669,7 @@
           <a:p>
             <a:fld id="{EF6EAEBE-D73E-42DB-BEEC-0E1D1642DD0E}" type="datetimeFigureOut">
               <a:rPr lang="en-US" smtClean="0"/>
-              <a:t>10/27/2019</a:t>
+              <a:t>11/2/2019</a:t>
             </a:fld>
             <a:endParaRPr lang="en-US"/>
           </a:p>
@@ -2904,7 +2910,7 @@
           <a:p>
             <a:fld id="{EF6EAEBE-D73E-42DB-BEEC-0E1D1642DD0E}" type="datetimeFigureOut">
               <a:rPr lang="en-US" smtClean="0"/>
-              <a:t>10/27/2019</a:t>
+              <a:t>11/2/2019</a:t>
             </a:fld>
             <a:endParaRPr lang="en-US"/>
           </a:p>
@@ -3323,10 +3329,10 @@
       </p:grpSpPr>
       <p:sp>
         <p:nvSpPr>
-          <p:cNvPr id="2" name="Rectangle 1">
-            <a:extLst>
-              <a:ext uri="{FF2B5EF4-FFF2-40B4-BE49-F238E27FC236}">
-                <a16:creationId xmlns:a16="http://schemas.microsoft.com/office/drawing/2014/main" id="{60F1358D-31EA-4F29-8D91-56EBDB2AD214}"/>
+          <p:cNvPr id="8" name="Rectangle 7">
+            <a:extLst>
+              <a:ext uri="{FF2B5EF4-FFF2-40B4-BE49-F238E27FC236}">
+                <a16:creationId xmlns:a16="http://schemas.microsoft.com/office/drawing/2014/main" id="{6D959F47-F202-43CD-B3B6-6704BA88824D}"/>
               </a:ext>
             </a:extLst>
           </p:cNvPr>
@@ -3335,8 +3341,8 @@
         </p:nvSpPr>
         <p:spPr>
           <a:xfrm>
-            <a:off x="842682" y="2043953"/>
-            <a:ext cx="2017059" cy="582706"/>
+            <a:off x="3971366" y="1255058"/>
+            <a:ext cx="3424516" cy="4061012"/>
           </a:xfrm>
           <a:prstGeom prst="rect">
             <a:avLst/>
@@ -3359,23 +3365,23 @@
           </a:fontRef>
         </p:style>
         <p:txBody>
-          <a:bodyPr rtlCol="0" anchor="ctr"/>
+          <a:bodyPr vert="vert270" rtlCol="0" anchor="t"/>
           <a:lstStyle/>
           <a:p>
             <a:pPr algn="ctr"/>
             <a:r>
               <a:rPr lang="en-US" dirty="0"/>
-              <a:t>Landing zone</a:t>
-            </a:r>
-          </a:p>
-        </p:txBody>
-      </p:sp>
-      <p:sp>
-        <p:nvSpPr>
-          <p:cNvPr id="3" name="Rectangle 2">
-            <a:extLst>
-              <a:ext uri="{FF2B5EF4-FFF2-40B4-BE49-F238E27FC236}">
-                <a16:creationId xmlns:a16="http://schemas.microsoft.com/office/drawing/2014/main" id="{D97B4958-E920-4E36-B8B4-8C4560EFC34A}"/>
+              <a:t>DWH</a:t>
+            </a:r>
+          </a:p>
+        </p:txBody>
+      </p:sp>
+      <p:sp>
+        <p:nvSpPr>
+          <p:cNvPr id="7" name="Arrow: Up 6">
+            <a:extLst>
+              <a:ext uri="{FF2B5EF4-FFF2-40B4-BE49-F238E27FC236}">
+                <a16:creationId xmlns:a16="http://schemas.microsoft.com/office/drawing/2014/main" id="{51E0E785-BAD1-4289-91E6-825C872DC9F1}"/>
               </a:ext>
             </a:extLst>
           </p:cNvPr>
@@ -3384,7 +3390,391 @@
         </p:nvSpPr>
         <p:spPr>
           <a:xfrm>
-            <a:off x="4957482" y="2043953"/>
+            <a:off x="4818529" y="313765"/>
+            <a:ext cx="1604682" cy="6131858"/>
+          </a:xfrm>
+          <a:prstGeom prst="upArrow">
+            <a:avLst/>
+          </a:prstGeom>
+        </p:spPr>
+        <p:style>
+          <a:lnRef idx="1">
+            <a:schemeClr val="accent1"/>
+          </a:lnRef>
+          <a:fillRef idx="2">
+            <a:schemeClr val="accent1"/>
+          </a:fillRef>
+          <a:effectRef idx="1">
+            <a:schemeClr val="accent1"/>
+          </a:effectRef>
+          <a:fontRef idx="minor">
+            <a:schemeClr val="dk1"/>
+          </a:fontRef>
+        </p:style>
+        <p:txBody>
+          <a:bodyPr rtlCol="0" anchor="ctr"/>
+          <a:lstStyle/>
+          <a:p>
+            <a:pPr algn="ctr"/>
+            <a:endParaRPr lang="en-US"/>
+          </a:p>
+        </p:txBody>
+      </p:sp>
+      <p:sp>
+        <p:nvSpPr>
+          <p:cNvPr id="2" name="Flowchart: Magnetic Disk 1">
+            <a:extLst>
+              <a:ext uri="{FF2B5EF4-FFF2-40B4-BE49-F238E27FC236}">
+                <a16:creationId xmlns:a16="http://schemas.microsoft.com/office/drawing/2014/main" id="{4AE1817F-F1E1-4DD7-ADEF-397A5374836B}"/>
+              </a:ext>
+            </a:extLst>
+          </p:cNvPr>
+          <p:cNvSpPr/>
+          <p:nvPr/>
+        </p:nvSpPr>
+        <p:spPr>
+          <a:xfrm>
+            <a:off x="4580964" y="1524000"/>
+            <a:ext cx="2079812" cy="869577"/>
+          </a:xfrm>
+          <a:prstGeom prst="flowChartMagneticDisk">
+            <a:avLst/>
+          </a:prstGeom>
+        </p:spPr>
+        <p:style>
+          <a:lnRef idx="3">
+            <a:schemeClr val="lt1"/>
+          </a:lnRef>
+          <a:fillRef idx="1">
+            <a:schemeClr val="accent2"/>
+          </a:fillRef>
+          <a:effectRef idx="1">
+            <a:schemeClr val="accent2"/>
+          </a:effectRef>
+          <a:fontRef idx="minor">
+            <a:schemeClr val="lt1"/>
+          </a:fontRef>
+        </p:style>
+        <p:txBody>
+          <a:bodyPr rtlCol="0" anchor="ctr"/>
+          <a:lstStyle/>
+          <a:p>
+            <a:pPr algn="ctr"/>
+            <a:r>
+              <a:rPr lang="en-US" dirty="0"/>
+              <a:t>Mart</a:t>
+            </a:r>
+          </a:p>
+        </p:txBody>
+      </p:sp>
+      <p:sp>
+        <p:nvSpPr>
+          <p:cNvPr id="3" name="Flowchart: Magnetic Disk 2">
+            <a:extLst>
+              <a:ext uri="{FF2B5EF4-FFF2-40B4-BE49-F238E27FC236}">
+                <a16:creationId xmlns:a16="http://schemas.microsoft.com/office/drawing/2014/main" id="{4AC1B8D9-384F-4115-AE4C-3744FEAC8389}"/>
+              </a:ext>
+            </a:extLst>
+          </p:cNvPr>
+          <p:cNvSpPr/>
+          <p:nvPr/>
+        </p:nvSpPr>
+        <p:spPr>
+          <a:xfrm>
+            <a:off x="4580964" y="2814918"/>
+            <a:ext cx="2079812" cy="869577"/>
+          </a:xfrm>
+          <a:prstGeom prst="flowChartMagneticDisk">
+            <a:avLst/>
+          </a:prstGeom>
+        </p:spPr>
+        <p:style>
+          <a:lnRef idx="3">
+            <a:schemeClr val="lt1"/>
+          </a:lnRef>
+          <a:fillRef idx="1">
+            <a:schemeClr val="accent2"/>
+          </a:fillRef>
+          <a:effectRef idx="1">
+            <a:schemeClr val="accent2"/>
+          </a:effectRef>
+          <a:fontRef idx="minor">
+            <a:schemeClr val="lt1"/>
+          </a:fontRef>
+        </p:style>
+        <p:txBody>
+          <a:bodyPr rtlCol="0" anchor="ctr"/>
+          <a:lstStyle/>
+          <a:p>
+            <a:pPr algn="ctr"/>
+            <a:r>
+              <a:rPr lang="en-US" dirty="0"/>
+              <a:t>Core</a:t>
+            </a:r>
+          </a:p>
+        </p:txBody>
+      </p:sp>
+      <p:sp>
+        <p:nvSpPr>
+          <p:cNvPr id="4" name="Flowchart: Magnetic Disk 3">
+            <a:extLst>
+              <a:ext uri="{FF2B5EF4-FFF2-40B4-BE49-F238E27FC236}">
+                <a16:creationId xmlns:a16="http://schemas.microsoft.com/office/drawing/2014/main" id="{6EC357EB-9480-4F09-B584-D0AC3BEB966E}"/>
+              </a:ext>
+            </a:extLst>
+          </p:cNvPr>
+          <p:cNvSpPr/>
+          <p:nvPr/>
+        </p:nvSpPr>
+        <p:spPr>
+          <a:xfrm>
+            <a:off x="4580964" y="4074460"/>
+            <a:ext cx="2079812" cy="869577"/>
+          </a:xfrm>
+          <a:prstGeom prst="flowChartMagneticDisk">
+            <a:avLst/>
+          </a:prstGeom>
+        </p:spPr>
+        <p:style>
+          <a:lnRef idx="3">
+            <a:schemeClr val="lt1"/>
+          </a:lnRef>
+          <a:fillRef idx="1">
+            <a:schemeClr val="accent2"/>
+          </a:fillRef>
+          <a:effectRef idx="1">
+            <a:schemeClr val="accent2"/>
+          </a:effectRef>
+          <a:fontRef idx="minor">
+            <a:schemeClr val="lt1"/>
+          </a:fontRef>
+        </p:style>
+        <p:txBody>
+          <a:bodyPr rtlCol="0" anchor="ctr"/>
+          <a:lstStyle/>
+          <a:p>
+            <a:pPr algn="ctr"/>
+            <a:r>
+              <a:rPr lang="en-US" dirty="0"/>
+              <a:t>Stage</a:t>
+            </a:r>
+          </a:p>
+        </p:txBody>
+      </p:sp>
+      <p:sp>
+        <p:nvSpPr>
+          <p:cNvPr id="5" name="Rectangle 4">
+            <a:extLst>
+              <a:ext uri="{FF2B5EF4-FFF2-40B4-BE49-F238E27FC236}">
+                <a16:creationId xmlns:a16="http://schemas.microsoft.com/office/drawing/2014/main" id="{7C8751CD-07CD-45EF-8694-051006473B69}"/>
+              </a:ext>
+            </a:extLst>
+          </p:cNvPr>
+          <p:cNvSpPr/>
+          <p:nvPr/>
+        </p:nvSpPr>
+        <p:spPr>
+          <a:xfrm>
+            <a:off x="3971365" y="412377"/>
+            <a:ext cx="3424517" cy="600635"/>
+          </a:xfrm>
+          <a:prstGeom prst="rect">
+            <a:avLst/>
+          </a:prstGeom>
+        </p:spPr>
+        <p:style>
+          <a:lnRef idx="3">
+            <a:schemeClr val="lt1"/>
+          </a:lnRef>
+          <a:fillRef idx="1">
+            <a:schemeClr val="accent6"/>
+          </a:fillRef>
+          <a:effectRef idx="1">
+            <a:schemeClr val="accent6"/>
+          </a:effectRef>
+          <a:fontRef idx="minor">
+            <a:schemeClr val="lt1"/>
+          </a:fontRef>
+        </p:style>
+        <p:txBody>
+          <a:bodyPr rtlCol="0" anchor="ctr"/>
+          <a:lstStyle/>
+          <a:p>
+            <a:pPr algn="ctr"/>
+            <a:r>
+              <a:rPr lang="en-US" dirty="0" err="1"/>
+              <a:t>Reportings</a:t>
+            </a:r>
+            <a:endParaRPr lang="en-US" dirty="0"/>
+          </a:p>
+        </p:txBody>
+      </p:sp>
+      <p:sp>
+        <p:nvSpPr>
+          <p:cNvPr id="6" name="Rectangle 5">
+            <a:extLst>
+              <a:ext uri="{FF2B5EF4-FFF2-40B4-BE49-F238E27FC236}">
+                <a16:creationId xmlns:a16="http://schemas.microsoft.com/office/drawing/2014/main" id="{EB11234C-D9F8-436F-86C4-B6626A8B5145}"/>
+              </a:ext>
+            </a:extLst>
+          </p:cNvPr>
+          <p:cNvSpPr/>
+          <p:nvPr/>
+        </p:nvSpPr>
+        <p:spPr>
+          <a:xfrm>
+            <a:off x="3971365" y="5567083"/>
+            <a:ext cx="3424517" cy="600635"/>
+          </a:xfrm>
+          <a:prstGeom prst="rect">
+            <a:avLst/>
+          </a:prstGeom>
+        </p:spPr>
+        <p:style>
+          <a:lnRef idx="0">
+            <a:schemeClr val="accent5"/>
+          </a:lnRef>
+          <a:fillRef idx="3">
+            <a:schemeClr val="accent5"/>
+          </a:fillRef>
+          <a:effectRef idx="3">
+            <a:schemeClr val="accent5"/>
+          </a:effectRef>
+          <a:fontRef idx="minor">
+            <a:schemeClr val="lt1"/>
+          </a:fontRef>
+        </p:style>
+        <p:txBody>
+          <a:bodyPr rtlCol="0" anchor="ctr"/>
+          <a:lstStyle/>
+          <a:p>
+            <a:pPr algn="ctr"/>
+            <a:r>
+              <a:rPr lang="en-US" dirty="0"/>
+              <a:t>Sources</a:t>
+            </a:r>
+          </a:p>
+        </p:txBody>
+      </p:sp>
+      <p:sp>
+        <p:nvSpPr>
+          <p:cNvPr id="9" name="TextBox 8">
+            <a:extLst>
+              <a:ext uri="{FF2B5EF4-FFF2-40B4-BE49-F238E27FC236}">
+                <a16:creationId xmlns:a16="http://schemas.microsoft.com/office/drawing/2014/main" id="{3F4B903F-E46E-4741-8A19-C3436B314CF4}"/>
+              </a:ext>
+            </a:extLst>
+          </p:cNvPr>
+          <p:cNvSpPr txBox="1"/>
+          <p:nvPr/>
+        </p:nvSpPr>
+        <p:spPr>
+          <a:xfrm>
+            <a:off x="8117539" y="4339971"/>
+            <a:ext cx="2283638" cy="338554"/>
+          </a:xfrm>
+          <a:prstGeom prst="rect">
+            <a:avLst/>
+          </a:prstGeom>
+          <a:noFill/>
+        </p:spPr>
+        <p:txBody>
+          <a:bodyPr wrap="none" rtlCol="0">
+            <a:spAutoFit/>
+          </a:bodyPr>
+          <a:lstStyle/>
+          <a:p>
+            <a:r>
+              <a:rPr lang="en-US" sz="1600" dirty="0"/>
+              <a:t>The demo is for this layer</a:t>
+            </a:r>
+          </a:p>
+        </p:txBody>
+      </p:sp>
+      <p:cxnSp>
+        <p:nvCxnSpPr>
+          <p:cNvPr id="11" name="Straight Arrow Connector 10">
+            <a:extLst>
+              <a:ext uri="{FF2B5EF4-FFF2-40B4-BE49-F238E27FC236}">
+                <a16:creationId xmlns:a16="http://schemas.microsoft.com/office/drawing/2014/main" id="{9B84728E-1DFB-4576-9B50-331C475F95D5}"/>
+              </a:ext>
+            </a:extLst>
+          </p:cNvPr>
+          <p:cNvCxnSpPr/>
+          <p:nvPr/>
+        </p:nvCxnSpPr>
+        <p:spPr>
+          <a:xfrm flipH="1">
+            <a:off x="6883194" y="4509248"/>
+            <a:ext cx="1122286" cy="0"/>
+          </a:xfrm>
+          <a:prstGeom prst="straightConnector1">
+            <a:avLst/>
+          </a:prstGeom>
+          <a:ln>
+            <a:tailEnd type="triangle"/>
+          </a:ln>
+        </p:spPr>
+        <p:style>
+          <a:lnRef idx="3">
+            <a:schemeClr val="dk1"/>
+          </a:lnRef>
+          <a:fillRef idx="0">
+            <a:schemeClr val="dk1"/>
+          </a:fillRef>
+          <a:effectRef idx="2">
+            <a:schemeClr val="dk1"/>
+          </a:effectRef>
+          <a:fontRef idx="minor">
+            <a:schemeClr val="tx1"/>
+          </a:fontRef>
+        </p:style>
+      </p:cxnSp>
+    </p:spTree>
+    <p:extLst>
+      <p:ext uri="{BB962C8B-B14F-4D97-AF65-F5344CB8AC3E}">
+        <p14:creationId xmlns:p14="http://schemas.microsoft.com/office/powerpoint/2010/main" val="1699105638"/>
+      </p:ext>
+    </p:extLst>
+  </p:cSld>
+  <p:clrMapOvr>
+    <a:masterClrMapping/>
+  </p:clrMapOvr>
+</p:sld>
+</file>
+
+<file path=ppt/slides/slide2.xml><?xml version="1.0" encoding="utf-8"?>
+<p:sld xmlns:a="http://schemas.openxmlformats.org/drawingml/2006/main" xmlns:r="http://schemas.openxmlformats.org/officeDocument/2006/relationships" xmlns:p="http://schemas.openxmlformats.org/presentationml/2006/main">
+  <p:cSld>
+    <p:spTree>
+      <p:nvGrpSpPr>
+        <p:cNvPr id="1" name=""/>
+        <p:cNvGrpSpPr/>
+        <p:nvPr/>
+      </p:nvGrpSpPr>
+      <p:grpSpPr>
+        <a:xfrm>
+          <a:off x="0" y="0"/>
+          <a:ext cx="0" cy="0"/>
+          <a:chOff x="0" y="0"/>
+          <a:chExt cx="0" cy="0"/>
+        </a:xfrm>
+      </p:grpSpPr>
+      <p:sp>
+        <p:nvSpPr>
+          <p:cNvPr id="2" name="Rectangle 1">
+            <a:extLst>
+              <a:ext uri="{FF2B5EF4-FFF2-40B4-BE49-F238E27FC236}">
+                <a16:creationId xmlns:a16="http://schemas.microsoft.com/office/drawing/2014/main" id="{60F1358D-31EA-4F29-8D91-56EBDB2AD214}"/>
+              </a:ext>
+            </a:extLst>
+          </p:cNvPr>
+          <p:cNvSpPr/>
+          <p:nvPr/>
+        </p:nvSpPr>
+        <p:spPr>
+          <a:xfrm>
+            <a:off x="601764" y="2043953"/>
             <a:ext cx="2017059" cy="582706"/>
           </a:xfrm>
           <a:prstGeom prst="rect">
@@ -3414,17 +3804,17 @@
             <a:pPr algn="ctr"/>
             <a:r>
               <a:rPr lang="en-US" dirty="0"/>
-              <a:t>Stage</a:t>
-            </a:r>
-          </a:p>
-        </p:txBody>
-      </p:sp>
-      <p:sp>
-        <p:nvSpPr>
-          <p:cNvPr id="4" name="Rectangle 3">
-            <a:extLst>
-              <a:ext uri="{FF2B5EF4-FFF2-40B4-BE49-F238E27FC236}">
-                <a16:creationId xmlns:a16="http://schemas.microsoft.com/office/drawing/2014/main" id="{81E71002-B5B7-44BD-AE2A-3E5C85A058FD}"/>
+              <a:t>Landing zone</a:t>
+            </a:r>
+          </a:p>
+        </p:txBody>
+      </p:sp>
+      <p:sp>
+        <p:nvSpPr>
+          <p:cNvPr id="3" name="Rectangle 2">
+            <a:extLst>
+              <a:ext uri="{FF2B5EF4-FFF2-40B4-BE49-F238E27FC236}">
+                <a16:creationId xmlns:a16="http://schemas.microsoft.com/office/drawing/2014/main" id="{D97B4958-E920-4E36-B8B4-8C4560EFC34A}"/>
               </a:ext>
             </a:extLst>
           </p:cNvPr>
@@ -3433,7 +3823,7 @@
         </p:nvSpPr>
         <p:spPr>
           <a:xfrm>
-            <a:off x="9072282" y="2043953"/>
+            <a:off x="4957482" y="2043953"/>
             <a:ext cx="2017059" cy="582706"/>
           </a:xfrm>
           <a:prstGeom prst="rect">
@@ -3463,6 +3853,55 @@
             <a:pPr algn="ctr"/>
             <a:r>
               <a:rPr lang="en-US" dirty="0"/>
+              <a:t>Stage</a:t>
+            </a:r>
+          </a:p>
+        </p:txBody>
+      </p:sp>
+      <p:sp>
+        <p:nvSpPr>
+          <p:cNvPr id="4" name="Rectangle 3">
+            <a:extLst>
+              <a:ext uri="{FF2B5EF4-FFF2-40B4-BE49-F238E27FC236}">
+                <a16:creationId xmlns:a16="http://schemas.microsoft.com/office/drawing/2014/main" id="{81E71002-B5B7-44BD-AE2A-3E5C85A058FD}"/>
+              </a:ext>
+            </a:extLst>
+          </p:cNvPr>
+          <p:cNvSpPr/>
+          <p:nvPr/>
+        </p:nvSpPr>
+        <p:spPr>
+          <a:xfrm>
+            <a:off x="9564588" y="2043953"/>
+            <a:ext cx="2017059" cy="582706"/>
+          </a:xfrm>
+          <a:prstGeom prst="rect">
+            <a:avLst/>
+          </a:prstGeom>
+        </p:spPr>
+        <p:style>
+          <a:lnRef idx="2">
+            <a:schemeClr val="accent1">
+              <a:shade val="50000"/>
+            </a:schemeClr>
+          </a:lnRef>
+          <a:fillRef idx="1">
+            <a:schemeClr val="accent1"/>
+          </a:fillRef>
+          <a:effectRef idx="0">
+            <a:schemeClr val="accent1"/>
+          </a:effectRef>
+          <a:fontRef idx="minor">
+            <a:schemeClr val="lt1"/>
+          </a:fontRef>
+        </p:style>
+        <p:txBody>
+          <a:bodyPr rtlCol="0" anchor="ctr"/>
+          <a:lstStyle/>
+          <a:p>
+            <a:pPr algn="ctr"/>
+            <a:r>
+              <a:rPr lang="en-US" dirty="0"/>
               <a:t>Historical</a:t>
             </a:r>
           </a:p>
@@ -3483,7 +3922,7 @@
         <p:spPr>
           <a:xfrm>
             <a:off x="842682" y="3254188"/>
-            <a:ext cx="2488823" cy="369332"/>
+            <a:ext cx="2232086" cy="338554"/>
           </a:xfrm>
           <a:prstGeom prst="rect">
             <a:avLst/>
@@ -3497,7 +3936,7 @@
           <a:lstStyle/>
           <a:p>
             <a:r>
-              <a:rPr lang="en-US" dirty="0"/>
+              <a:rPr lang="en-US" sz="1600" dirty="0"/>
               <a:t>1 to 1 from source table.</a:t>
             </a:r>
           </a:p>
@@ -3518,7 +3957,7 @@
         <p:spPr>
           <a:xfrm>
             <a:off x="4851588" y="3244334"/>
-            <a:ext cx="1208985" cy="923330"/>
+            <a:ext cx="1095172" cy="830997"/>
           </a:xfrm>
           <a:prstGeom prst="rect">
             <a:avLst/>
@@ -3532,19 +3971,19 @@
           <a:lstStyle/>
           <a:p>
             <a:r>
-              <a:rPr lang="en-US" dirty="0"/>
+              <a:rPr lang="en-US" sz="1600" u="sng" dirty="0"/>
               <a:t>Insert time</a:t>
             </a:r>
           </a:p>
           <a:p>
             <a:r>
-              <a:rPr lang="en-US" dirty="0"/>
+              <a:rPr lang="en-US" sz="1600" u="sng" dirty="0"/>
               <a:t>Hash diff</a:t>
             </a:r>
           </a:p>
           <a:p>
             <a:r>
-              <a:rPr lang="en-US" dirty="0"/>
+              <a:rPr lang="en-US" sz="1600" dirty="0"/>
               <a:t>Added</a:t>
             </a:r>
           </a:p>
@@ -3565,7 +4004,7 @@
         <p:spPr>
           <a:xfrm>
             <a:off x="9208435" y="3254188"/>
-            <a:ext cx="1147558" cy="1200329"/>
+            <a:ext cx="1038746" cy="1077218"/>
           </a:xfrm>
           <a:prstGeom prst="rect">
             <a:avLst/>
@@ -3579,25 +4018,25 @@
           <a:lstStyle/>
           <a:p>
             <a:r>
-              <a:rPr lang="en-US" dirty="0"/>
+              <a:rPr lang="en-US" sz="1600" u="sng" dirty="0"/>
               <a:t>Valid from</a:t>
             </a:r>
           </a:p>
           <a:p>
             <a:r>
-              <a:rPr lang="en-US" dirty="0"/>
+              <a:rPr lang="en-US" sz="1600" u="sng" dirty="0"/>
               <a:t>Valid to</a:t>
             </a:r>
           </a:p>
           <a:p>
             <a:r>
-              <a:rPr lang="en-US" dirty="0"/>
+              <a:rPr lang="en-US" sz="1600" u="sng" dirty="0"/>
               <a:t>Is current</a:t>
             </a:r>
           </a:p>
           <a:p>
             <a:r>
-              <a:rPr lang="en-US" dirty="0"/>
+              <a:rPr lang="en-US" sz="1600" dirty="0"/>
               <a:t>Added</a:t>
             </a:r>
           </a:p>
@@ -3620,8 +4059,8 @@
         </p:nvCxnSpPr>
         <p:spPr>
           <a:xfrm>
-            <a:off x="2859741" y="2335306"/>
-            <a:ext cx="2097741" cy="0"/>
+            <a:off x="2618823" y="2335306"/>
+            <a:ext cx="2338659" cy="0"/>
           </a:xfrm>
           <a:prstGeom prst="straightConnector1">
             <a:avLst/>
@@ -3663,7 +4102,7 @@
         <p:spPr>
           <a:xfrm>
             <a:off x="6974541" y="2335306"/>
-            <a:ext cx="2097741" cy="0"/>
+            <a:ext cx="2590047" cy="0"/>
           </a:xfrm>
           <a:prstGeom prst="straightConnector1">
             <a:avLst/>
@@ -3814,8 +4253,8 @@
         </p:nvSpPr>
         <p:spPr>
           <a:xfrm>
-            <a:off x="699247" y="4939553"/>
-            <a:ext cx="3450753" cy="923330"/>
+            <a:off x="717176" y="5531223"/>
+            <a:ext cx="3259675" cy="830997"/>
           </a:xfrm>
           <a:prstGeom prst="rect">
             <a:avLst/>
@@ -3829,7 +4268,15 @@
           <a:lstStyle/>
           <a:p>
             <a:r>
-              <a:rPr lang="en-US" dirty="0"/>
+              <a:rPr lang="en-US" sz="1600" b="1" u="sng" dirty="0">
+                <a:effectLst>
+                  <a:outerShdw blurRad="38100" dist="38100" dir="2700000" algn="tl">
+                    <a:srgbClr val="000000">
+                      <a:alpha val="43137"/>
+                    </a:srgbClr>
+                  </a:outerShdw>
+                </a:effectLst>
+              </a:rPr>
               <a:t>Assumptions:</a:t>
             </a:r>
           </a:p>
@@ -3839,16 +4286,8 @@
               <a:buChar char="-"/>
             </a:pPr>
             <a:r>
-              <a:rPr lang="en-US"/>
-              <a:t>Data </a:t>
-            </a:r>
-            <a:r>
-              <a:rPr lang="en-US" dirty="0"/>
-              <a:t>load from source is </a:t>
-            </a:r>
-            <a:r>
-              <a:rPr lang="en-US"/>
-              <a:t>full load.</a:t>
+              <a:rPr lang="en-US" sz="1600" dirty="0"/>
+              <a:t>Data load from source is full load.</a:t>
             </a:r>
           </a:p>
           <a:p>
@@ -3856,7 +4295,251 @@
               <a:buFontTx/>
               <a:buChar char="-"/>
             </a:pPr>
-            <a:endParaRPr lang="en-US" dirty="0"/>
+            <a:endParaRPr lang="en-US" sz="1600" dirty="0"/>
+          </a:p>
+        </p:txBody>
+      </p:sp>
+      <p:sp>
+        <p:nvSpPr>
+          <p:cNvPr id="16" name="TextBox 15">
+            <a:extLst>
+              <a:ext uri="{FF2B5EF4-FFF2-40B4-BE49-F238E27FC236}">
+                <a16:creationId xmlns:a16="http://schemas.microsoft.com/office/drawing/2014/main" id="{EEAC8742-7082-4317-BD53-E95FEBBB6A52}"/>
+              </a:ext>
+            </a:extLst>
+          </p:cNvPr>
+          <p:cNvSpPr txBox="1"/>
+          <p:nvPr/>
+        </p:nvSpPr>
+        <p:spPr>
+          <a:xfrm>
+            <a:off x="1017118" y="1391915"/>
+            <a:ext cx="1144865" cy="369332"/>
+          </a:xfrm>
+          <a:prstGeom prst="rect">
+            <a:avLst/>
+          </a:prstGeom>
+          <a:noFill/>
+        </p:spPr>
+        <p:txBody>
+          <a:bodyPr wrap="none" rtlCol="0">
+            <a:spAutoFit/>
+          </a:bodyPr>
+          <a:lstStyle/>
+          <a:p>
+            <a:r>
+              <a:rPr lang="en-US" dirty="0">
+                <a:highlight>
+                  <a:srgbClr val="FFFF00"/>
+                </a:highlight>
+              </a:rPr>
+              <a:t>GAMELIST</a:t>
+            </a:r>
+          </a:p>
+        </p:txBody>
+      </p:sp>
+      <p:sp>
+        <p:nvSpPr>
+          <p:cNvPr id="17" name="TextBox 16">
+            <a:extLst>
+              <a:ext uri="{FF2B5EF4-FFF2-40B4-BE49-F238E27FC236}">
+                <a16:creationId xmlns:a16="http://schemas.microsoft.com/office/drawing/2014/main" id="{3AABCD6A-0463-4867-AE67-9BE74CBD29B6}"/>
+              </a:ext>
+            </a:extLst>
+          </p:cNvPr>
+          <p:cNvSpPr txBox="1"/>
+          <p:nvPr/>
+        </p:nvSpPr>
+        <p:spPr>
+          <a:xfrm>
+            <a:off x="2736550" y="1391915"/>
+            <a:ext cx="2103204" cy="369332"/>
+          </a:xfrm>
+          <a:prstGeom prst="rect">
+            <a:avLst/>
+          </a:prstGeom>
+          <a:noFill/>
+        </p:spPr>
+        <p:txBody>
+          <a:bodyPr wrap="none" rtlCol="0">
+            <a:spAutoFit/>
+          </a:bodyPr>
+          <a:lstStyle/>
+          <a:p>
+            <a:r>
+              <a:rPr lang="en-US" dirty="0">
+                <a:highlight>
+                  <a:srgbClr val="FFFF00"/>
+                </a:highlight>
+              </a:rPr>
+              <a:t>USP_GAMELIST_STG</a:t>
+            </a:r>
+          </a:p>
+        </p:txBody>
+      </p:sp>
+      <p:sp>
+        <p:nvSpPr>
+          <p:cNvPr id="18" name="TextBox 17">
+            <a:extLst>
+              <a:ext uri="{FF2B5EF4-FFF2-40B4-BE49-F238E27FC236}">
+                <a16:creationId xmlns:a16="http://schemas.microsoft.com/office/drawing/2014/main" id="{0B3A372C-99E9-47FF-A843-83EF7F9C9E3D}"/>
+              </a:ext>
+            </a:extLst>
+          </p:cNvPr>
+          <p:cNvSpPr txBox="1"/>
+          <p:nvPr/>
+        </p:nvSpPr>
+        <p:spPr>
+          <a:xfrm>
+            <a:off x="5167777" y="1391915"/>
+            <a:ext cx="1615892" cy="369332"/>
+          </a:xfrm>
+          <a:prstGeom prst="rect">
+            <a:avLst/>
+          </a:prstGeom>
+          <a:noFill/>
+        </p:spPr>
+        <p:txBody>
+          <a:bodyPr wrap="none" rtlCol="0">
+            <a:spAutoFit/>
+          </a:bodyPr>
+          <a:lstStyle/>
+          <a:p>
+            <a:r>
+              <a:rPr lang="en-US" dirty="0">
+                <a:highlight>
+                  <a:srgbClr val="FFFF00"/>
+                </a:highlight>
+              </a:rPr>
+              <a:t>GAMELIST_STG</a:t>
+            </a:r>
+          </a:p>
+        </p:txBody>
+      </p:sp>
+      <p:sp>
+        <p:nvSpPr>
+          <p:cNvPr id="19" name="TextBox 18">
+            <a:extLst>
+              <a:ext uri="{FF2B5EF4-FFF2-40B4-BE49-F238E27FC236}">
+                <a16:creationId xmlns:a16="http://schemas.microsoft.com/office/drawing/2014/main" id="{2A6B2FA5-F4EB-4173-8E11-B4E83FE76DA2}"/>
+              </a:ext>
+            </a:extLst>
+          </p:cNvPr>
+          <p:cNvSpPr txBox="1"/>
+          <p:nvPr/>
+        </p:nvSpPr>
+        <p:spPr>
+          <a:xfrm>
+            <a:off x="7274006" y="1383269"/>
+            <a:ext cx="2055371" cy="369332"/>
+          </a:xfrm>
+          <a:prstGeom prst="rect">
+            <a:avLst/>
+          </a:prstGeom>
+          <a:noFill/>
+        </p:spPr>
+        <p:txBody>
+          <a:bodyPr wrap="none" rtlCol="0">
+            <a:spAutoFit/>
+          </a:bodyPr>
+          <a:lstStyle/>
+          <a:p>
+            <a:r>
+              <a:rPr lang="en-US" dirty="0">
+                <a:highlight>
+                  <a:srgbClr val="FFFF00"/>
+                </a:highlight>
+              </a:rPr>
+              <a:t>USP_GAMELIST_HIS</a:t>
+            </a:r>
+          </a:p>
+        </p:txBody>
+      </p:sp>
+      <p:sp>
+        <p:nvSpPr>
+          <p:cNvPr id="20" name="TextBox 19">
+            <a:extLst>
+              <a:ext uri="{FF2B5EF4-FFF2-40B4-BE49-F238E27FC236}">
+                <a16:creationId xmlns:a16="http://schemas.microsoft.com/office/drawing/2014/main" id="{C8261356-9FCE-4ACB-8771-7BBA77C4EC87}"/>
+              </a:ext>
+            </a:extLst>
+          </p:cNvPr>
+          <p:cNvSpPr txBox="1"/>
+          <p:nvPr/>
+        </p:nvSpPr>
+        <p:spPr>
+          <a:xfrm>
+            <a:off x="9564588" y="1383269"/>
+            <a:ext cx="2055371" cy="369332"/>
+          </a:xfrm>
+          <a:prstGeom prst="rect">
+            <a:avLst/>
+          </a:prstGeom>
+          <a:noFill/>
+        </p:spPr>
+        <p:txBody>
+          <a:bodyPr wrap="none" rtlCol="0">
+            <a:spAutoFit/>
+          </a:bodyPr>
+          <a:lstStyle/>
+          <a:p>
+            <a:r>
+              <a:rPr lang="en-US" dirty="0">
+                <a:highlight>
+                  <a:srgbClr val="FFFF00"/>
+                </a:highlight>
+              </a:rPr>
+              <a:t>USP_GAMELIST_HIS</a:t>
+            </a:r>
+          </a:p>
+        </p:txBody>
+      </p:sp>
+      <p:sp>
+        <p:nvSpPr>
+          <p:cNvPr id="21" name="TextBox 20">
+            <a:extLst>
+              <a:ext uri="{FF2B5EF4-FFF2-40B4-BE49-F238E27FC236}">
+                <a16:creationId xmlns:a16="http://schemas.microsoft.com/office/drawing/2014/main" id="{93C377B3-6B7E-40F6-BC69-650F4C5F53D1}"/>
+              </a:ext>
+            </a:extLst>
+          </p:cNvPr>
+          <p:cNvSpPr txBox="1"/>
+          <p:nvPr/>
+        </p:nvSpPr>
+        <p:spPr>
+          <a:xfrm>
+            <a:off x="717176" y="4597069"/>
+            <a:ext cx="4533549" cy="584775"/>
+          </a:xfrm>
+          <a:prstGeom prst="rect">
+            <a:avLst/>
+          </a:prstGeom>
+          <a:noFill/>
+        </p:spPr>
+        <p:txBody>
+          <a:bodyPr wrap="none" rtlCol="0">
+            <a:spAutoFit/>
+          </a:bodyPr>
+          <a:lstStyle/>
+          <a:p>
+            <a:r>
+              <a:rPr lang="en-US" sz="1600" b="1" u="sng" dirty="0">
+                <a:effectLst>
+                  <a:outerShdw blurRad="38100" dist="38100" dir="2700000" algn="tl">
+                    <a:srgbClr val="000000">
+                      <a:alpha val="43137"/>
+                    </a:srgbClr>
+                  </a:outerShdw>
+                </a:effectLst>
+              </a:rPr>
+              <a:t>PSA target: </a:t>
+            </a:r>
+          </a:p>
+          <a:p>
+            <a:r>
+              <a:rPr lang="en-US" sz="1600" dirty="0"/>
+              <a:t>To keep data loaded in staging area historical stored.</a:t>
+            </a:r>
           </a:p>
         </p:txBody>
       </p:sp>

--- a/DOCS/Intro.pptx
+++ b/DOCS/Intro.pptx
@@ -7,6 +7,7 @@
   <p:sldIdLst>
     <p:sldId id="258" r:id="rId2"/>
     <p:sldId id="257" r:id="rId3"/>
+    <p:sldId id="259" r:id="rId4"/>
   </p:sldIdLst>
   <p:sldSz cx="12192000" cy="6858000"/>
   <p:notesSz cx="6858000" cy="9144000"/>
@@ -260,7 +261,7 @@
           <a:p>
             <a:fld id="{EF6EAEBE-D73E-42DB-BEEC-0E1D1642DD0E}" type="datetimeFigureOut">
               <a:rPr lang="en-US" smtClean="0"/>
-              <a:t>11/2/2019</a:t>
+              <a:t>11/3/2019</a:t>
             </a:fld>
             <a:endParaRPr lang="en-US"/>
           </a:p>
@@ -458,7 +459,7 @@
           <a:p>
             <a:fld id="{EF6EAEBE-D73E-42DB-BEEC-0E1D1642DD0E}" type="datetimeFigureOut">
               <a:rPr lang="en-US" smtClean="0"/>
-              <a:t>11/2/2019</a:t>
+              <a:t>11/3/2019</a:t>
             </a:fld>
             <a:endParaRPr lang="en-US"/>
           </a:p>
@@ -666,7 +667,7 @@
           <a:p>
             <a:fld id="{EF6EAEBE-D73E-42DB-BEEC-0E1D1642DD0E}" type="datetimeFigureOut">
               <a:rPr lang="en-US" smtClean="0"/>
-              <a:t>11/2/2019</a:t>
+              <a:t>11/3/2019</a:t>
             </a:fld>
             <a:endParaRPr lang="en-US"/>
           </a:p>
@@ -864,7 +865,7 @@
           <a:p>
             <a:fld id="{EF6EAEBE-D73E-42DB-BEEC-0E1D1642DD0E}" type="datetimeFigureOut">
               <a:rPr lang="en-US" smtClean="0"/>
-              <a:t>11/2/2019</a:t>
+              <a:t>11/3/2019</a:t>
             </a:fld>
             <a:endParaRPr lang="en-US"/>
           </a:p>
@@ -1139,7 +1140,7 @@
           <a:p>
             <a:fld id="{EF6EAEBE-D73E-42DB-BEEC-0E1D1642DD0E}" type="datetimeFigureOut">
               <a:rPr lang="en-US" smtClean="0"/>
-              <a:t>11/2/2019</a:t>
+              <a:t>11/3/2019</a:t>
             </a:fld>
             <a:endParaRPr lang="en-US"/>
           </a:p>
@@ -1404,7 +1405,7 @@
           <a:p>
             <a:fld id="{EF6EAEBE-D73E-42DB-BEEC-0E1D1642DD0E}" type="datetimeFigureOut">
               <a:rPr lang="en-US" smtClean="0"/>
-              <a:t>11/2/2019</a:t>
+              <a:t>11/3/2019</a:t>
             </a:fld>
             <a:endParaRPr lang="en-US"/>
           </a:p>
@@ -1816,7 +1817,7 @@
           <a:p>
             <a:fld id="{EF6EAEBE-D73E-42DB-BEEC-0E1D1642DD0E}" type="datetimeFigureOut">
               <a:rPr lang="en-US" smtClean="0"/>
-              <a:t>11/2/2019</a:t>
+              <a:t>11/3/2019</a:t>
             </a:fld>
             <a:endParaRPr lang="en-US"/>
           </a:p>
@@ -1957,7 +1958,7 @@
           <a:p>
             <a:fld id="{EF6EAEBE-D73E-42DB-BEEC-0E1D1642DD0E}" type="datetimeFigureOut">
               <a:rPr lang="en-US" smtClean="0"/>
-              <a:t>11/2/2019</a:t>
+              <a:t>11/3/2019</a:t>
             </a:fld>
             <a:endParaRPr lang="en-US"/>
           </a:p>
@@ -2070,7 +2071,7 @@
           <a:p>
             <a:fld id="{EF6EAEBE-D73E-42DB-BEEC-0E1D1642DD0E}" type="datetimeFigureOut">
               <a:rPr lang="en-US" smtClean="0"/>
-              <a:t>11/2/2019</a:t>
+              <a:t>11/3/2019</a:t>
             </a:fld>
             <a:endParaRPr lang="en-US"/>
           </a:p>
@@ -2381,7 +2382,7 @@
           <a:p>
             <a:fld id="{EF6EAEBE-D73E-42DB-BEEC-0E1D1642DD0E}" type="datetimeFigureOut">
               <a:rPr lang="en-US" smtClean="0"/>
-              <a:t>11/2/2019</a:t>
+              <a:t>11/3/2019</a:t>
             </a:fld>
             <a:endParaRPr lang="en-US"/>
           </a:p>
@@ -2669,7 +2670,7 @@
           <a:p>
             <a:fld id="{EF6EAEBE-D73E-42DB-BEEC-0E1D1642DD0E}" type="datetimeFigureOut">
               <a:rPr lang="en-US" smtClean="0"/>
-              <a:t>11/2/2019</a:t>
+              <a:t>11/3/2019</a:t>
             </a:fld>
             <a:endParaRPr lang="en-US"/>
           </a:p>
@@ -2910,7 +2911,7 @@
           <a:p>
             <a:fld id="{EF6EAEBE-D73E-42DB-BEEC-0E1D1642DD0E}" type="datetimeFigureOut">
               <a:rPr lang="en-US" smtClean="0"/>
-              <a:t>11/2/2019</a:t>
+              <a:t>11/3/2019</a:t>
             </a:fld>
             <a:endParaRPr lang="en-US"/>
           </a:p>
@@ -4556,6 +4557,218 @@
 </p:sld>
 </file>
 
+<file path=ppt/slides/slide3.xml><?xml version="1.0" encoding="utf-8"?>
+<p:sld xmlns:a="http://schemas.openxmlformats.org/drawingml/2006/main" xmlns:r="http://schemas.openxmlformats.org/officeDocument/2006/relationships" xmlns:p="http://schemas.openxmlformats.org/presentationml/2006/main">
+  <p:cSld>
+    <p:spTree>
+      <p:nvGrpSpPr>
+        <p:cNvPr id="1" name=""/>
+        <p:cNvGrpSpPr/>
+        <p:nvPr/>
+      </p:nvGrpSpPr>
+      <p:grpSpPr>
+        <a:xfrm>
+          <a:off x="0" y="0"/>
+          <a:ext cx="0" cy="0"/>
+          <a:chOff x="0" y="0"/>
+          <a:chExt cx="0" cy="0"/>
+        </a:xfrm>
+      </p:grpSpPr>
+      <p:sp>
+        <p:nvSpPr>
+          <p:cNvPr id="2" name="TextBox 1">
+            <a:extLst>
+              <a:ext uri="{FF2B5EF4-FFF2-40B4-BE49-F238E27FC236}">
+                <a16:creationId xmlns:a16="http://schemas.microsoft.com/office/drawing/2014/main" id="{3A2164F0-AAFF-427A-B9AF-FC4508D03E0D}"/>
+              </a:ext>
+            </a:extLst>
+          </p:cNvPr>
+          <p:cNvSpPr txBox="1"/>
+          <p:nvPr/>
+        </p:nvSpPr>
+        <p:spPr>
+          <a:xfrm>
+            <a:off x="187871" y="233082"/>
+            <a:ext cx="2205668" cy="584775"/>
+          </a:xfrm>
+          <a:prstGeom prst="rect">
+            <a:avLst/>
+          </a:prstGeom>
+          <a:noFill/>
+        </p:spPr>
+        <p:txBody>
+          <a:bodyPr wrap="none" rtlCol="0">
+            <a:spAutoFit/>
+          </a:bodyPr>
+          <a:lstStyle/>
+          <a:p>
+            <a:r>
+              <a:rPr lang="en-US" sz="3200" b="1" dirty="0">
+                <a:effectLst>
+                  <a:outerShdw blurRad="38100" dist="38100" dir="2700000" algn="tl">
+                    <a:srgbClr val="000000">
+                      <a:alpha val="43137"/>
+                    </a:srgbClr>
+                  </a:outerShdw>
+                </a:effectLst>
+              </a:rPr>
+              <a:t>META notes</a:t>
+            </a:r>
+          </a:p>
+        </p:txBody>
+      </p:sp>
+      <p:sp>
+        <p:nvSpPr>
+          <p:cNvPr id="3" name="TextBox 2">
+            <a:extLst>
+              <a:ext uri="{FF2B5EF4-FFF2-40B4-BE49-F238E27FC236}">
+                <a16:creationId xmlns:a16="http://schemas.microsoft.com/office/drawing/2014/main" id="{F45D6D41-35A2-42E0-9911-A9325F31DABC}"/>
+              </a:ext>
+            </a:extLst>
+          </p:cNvPr>
+          <p:cNvSpPr txBox="1"/>
+          <p:nvPr/>
+        </p:nvSpPr>
+        <p:spPr>
+          <a:xfrm>
+            <a:off x="636494" y="1425388"/>
+            <a:ext cx="8333948" cy="2585323"/>
+          </a:xfrm>
+          <a:prstGeom prst="rect">
+            <a:avLst/>
+          </a:prstGeom>
+          <a:noFill/>
+        </p:spPr>
+        <p:txBody>
+          <a:bodyPr wrap="none" rtlCol="0">
+            <a:spAutoFit/>
+          </a:bodyPr>
+          <a:lstStyle/>
+          <a:p>
+            <a:r>
+              <a:rPr lang="en-US" dirty="0"/>
+              <a:t>Information:</a:t>
+            </a:r>
+          </a:p>
+          <a:p>
+            <a:pPr marL="285750" indent="-285750">
+              <a:buFontTx/>
+              <a:buChar char="-"/>
+            </a:pPr>
+            <a:r>
+              <a:rPr lang="en-US" dirty="0"/>
+              <a:t>Source table schema.</a:t>
+            </a:r>
+          </a:p>
+          <a:p>
+            <a:pPr marL="285750" indent="-285750">
+              <a:buFontTx/>
+              <a:buChar char="-"/>
+            </a:pPr>
+            <a:r>
+              <a:rPr lang="en-US" dirty="0"/>
+              <a:t>BK, business key, used for generate hash key.</a:t>
+            </a:r>
+          </a:p>
+          <a:p>
+            <a:pPr marL="285750" indent="-285750">
+              <a:buFontTx/>
+              <a:buChar char="-"/>
+            </a:pPr>
+            <a:r>
+              <a:rPr lang="en-US" dirty="0"/>
+              <a:t>PK, Primary key.</a:t>
+            </a:r>
+          </a:p>
+          <a:p>
+            <a:pPr marL="285750" indent="-285750">
+              <a:buFontTx/>
+              <a:buChar char="-"/>
+            </a:pPr>
+            <a:r>
+              <a:rPr lang="en-US" dirty="0"/>
+              <a:t>DI, Descriptive information, used for generate hash diff.</a:t>
+            </a:r>
+          </a:p>
+          <a:p>
+            <a:pPr marL="285750" indent="-285750">
+              <a:buFontTx/>
+              <a:buChar char="-"/>
+            </a:pPr>
+            <a:r>
+              <a:rPr lang="en-US" dirty="0"/>
+              <a:t>DVID, data vault reference ID, map to which table in Data Vault model.</a:t>
+            </a:r>
+          </a:p>
+          <a:p>
+            <a:pPr marL="742950" lvl="1" indent="-285750">
+              <a:buFontTx/>
+              <a:buChar char="-"/>
+            </a:pPr>
+            <a:r>
+              <a:rPr lang="en-US" dirty="0"/>
+              <a:t>Need a logic to check, about:</a:t>
+            </a:r>
+          </a:p>
+          <a:p>
+            <a:pPr marL="1200150" lvl="2" indent="-285750">
+              <a:buFontTx/>
+              <a:buChar char="-"/>
+            </a:pPr>
+            <a:r>
+              <a:rPr lang="en-US" dirty="0"/>
+              <a:t>If </a:t>
+            </a:r>
+            <a:r>
+              <a:rPr lang="en-US" dirty="0" err="1"/>
+              <a:t>configed</a:t>
+            </a:r>
+            <a:r>
+              <a:rPr lang="en-US" dirty="0"/>
+              <a:t> as SAT table, if BK is included.</a:t>
+            </a:r>
+          </a:p>
+          <a:p>
+            <a:pPr marL="1200150" lvl="2" indent="-285750">
+              <a:buFontTx/>
+              <a:buChar char="-"/>
+            </a:pPr>
+            <a:r>
+              <a:rPr lang="en-US" dirty="0"/>
+              <a:t>If </a:t>
+            </a:r>
+            <a:r>
+              <a:rPr lang="en-US" dirty="0" err="1"/>
+              <a:t>configed</a:t>
+            </a:r>
+            <a:r>
+              <a:rPr lang="en-US" dirty="0"/>
+              <a:t> as HUB table, if BK is included, and should no DI fields </a:t>
+            </a:r>
+            <a:r>
+              <a:rPr lang="en-US" dirty="0" err="1"/>
+              <a:t>configed</a:t>
+            </a:r>
+            <a:r>
+              <a:rPr lang="en-US" dirty="0"/>
+              <a:t>.</a:t>
+            </a:r>
+          </a:p>
+        </p:txBody>
+      </p:sp>
+    </p:spTree>
+    <p:extLst>
+      <p:ext uri="{BB962C8B-B14F-4D97-AF65-F5344CB8AC3E}">
+        <p14:creationId xmlns:p14="http://schemas.microsoft.com/office/powerpoint/2010/main" val="2237802949"/>
+      </p:ext>
+    </p:extLst>
+  </p:cSld>
+  <p:clrMapOvr>
+    <a:masterClrMapping/>
+  </p:clrMapOvr>
+</p:sld>
+</file>
+
 <file path=ppt/theme/theme1.xml><?xml version="1.0" encoding="utf-8"?>
 <a:theme xmlns:a="http://schemas.openxmlformats.org/drawingml/2006/main" name="Office Theme">
   <a:themeElements>

--- a/DOCS/Intro.pptx
+++ b/DOCS/Intro.pptx
@@ -114,6 +114,18 @@
 </p:presentation>
 </file>
 
+<file path=ppt/commentAuthors.xml><?xml version="1.0" encoding="utf-8"?>
+<p:cmAuthorLst xmlns:a="http://schemas.openxmlformats.org/drawingml/2006/main" xmlns:r="http://schemas.openxmlformats.org/officeDocument/2006/relationships" xmlns:p="http://schemas.openxmlformats.org/presentationml/2006/main">
+  <p:cmAuthor id="1" name="Wade Song" initials="WS" lastIdx="1" clrIdx="0">
+    <p:extLst>
+      <p:ext uri="{19B8F6BF-5375-455C-9EA6-DF929625EA0E}">
+        <p15:presenceInfo xmlns:p15="http://schemas.microsoft.com/office/powerpoint/2012/main" userId="8584450944a88d4a" providerId="Windows Live"/>
+      </p:ext>
+    </p:extLst>
+  </p:cmAuthor>
+</p:cmAuthorLst>
+</file>
+
 <file path=ppt/slideLayouts/slideLayout1.xml><?xml version="1.0" encoding="utf-8"?>
 <p:sldLayout xmlns:a="http://schemas.openxmlformats.org/drawingml/2006/main" xmlns:r="http://schemas.openxmlformats.org/officeDocument/2006/relationships" xmlns:p="http://schemas.openxmlformats.org/presentationml/2006/main" type="title" preserve="1">
   <p:cSld name="Title Slide">
@@ -261,7 +273,7 @@
           <a:p>
             <a:fld id="{EF6EAEBE-D73E-42DB-BEEC-0E1D1642DD0E}" type="datetimeFigureOut">
               <a:rPr lang="en-US" smtClean="0"/>
-              <a:t>11/3/2019</a:t>
+              <a:t>11/17/2019</a:t>
             </a:fld>
             <a:endParaRPr lang="en-US"/>
           </a:p>
@@ -459,7 +471,7 @@
           <a:p>
             <a:fld id="{EF6EAEBE-D73E-42DB-BEEC-0E1D1642DD0E}" type="datetimeFigureOut">
               <a:rPr lang="en-US" smtClean="0"/>
-              <a:t>11/3/2019</a:t>
+              <a:t>11/17/2019</a:t>
             </a:fld>
             <a:endParaRPr lang="en-US"/>
           </a:p>
@@ -667,7 +679,7 @@
           <a:p>
             <a:fld id="{EF6EAEBE-D73E-42DB-BEEC-0E1D1642DD0E}" type="datetimeFigureOut">
               <a:rPr lang="en-US" smtClean="0"/>
-              <a:t>11/3/2019</a:t>
+              <a:t>11/17/2019</a:t>
             </a:fld>
             <a:endParaRPr lang="en-US"/>
           </a:p>
@@ -865,7 +877,7 @@
           <a:p>
             <a:fld id="{EF6EAEBE-D73E-42DB-BEEC-0E1D1642DD0E}" type="datetimeFigureOut">
               <a:rPr lang="en-US" smtClean="0"/>
-              <a:t>11/3/2019</a:t>
+              <a:t>11/17/2019</a:t>
             </a:fld>
             <a:endParaRPr lang="en-US"/>
           </a:p>
@@ -1140,7 +1152,7 @@
           <a:p>
             <a:fld id="{EF6EAEBE-D73E-42DB-BEEC-0E1D1642DD0E}" type="datetimeFigureOut">
               <a:rPr lang="en-US" smtClean="0"/>
-              <a:t>11/3/2019</a:t>
+              <a:t>11/17/2019</a:t>
             </a:fld>
             <a:endParaRPr lang="en-US"/>
           </a:p>
@@ -1405,7 +1417,7 @@
           <a:p>
             <a:fld id="{EF6EAEBE-D73E-42DB-BEEC-0E1D1642DD0E}" type="datetimeFigureOut">
               <a:rPr lang="en-US" smtClean="0"/>
-              <a:t>11/3/2019</a:t>
+              <a:t>11/17/2019</a:t>
             </a:fld>
             <a:endParaRPr lang="en-US"/>
           </a:p>
@@ -1817,7 +1829,7 @@
           <a:p>
             <a:fld id="{EF6EAEBE-D73E-42DB-BEEC-0E1D1642DD0E}" type="datetimeFigureOut">
               <a:rPr lang="en-US" smtClean="0"/>
-              <a:t>11/3/2019</a:t>
+              <a:t>11/17/2019</a:t>
             </a:fld>
             <a:endParaRPr lang="en-US"/>
           </a:p>
@@ -1958,7 +1970,7 @@
           <a:p>
             <a:fld id="{EF6EAEBE-D73E-42DB-BEEC-0E1D1642DD0E}" type="datetimeFigureOut">
               <a:rPr lang="en-US" smtClean="0"/>
-              <a:t>11/3/2019</a:t>
+              <a:t>11/17/2019</a:t>
             </a:fld>
             <a:endParaRPr lang="en-US"/>
           </a:p>
@@ -2071,7 +2083,7 @@
           <a:p>
             <a:fld id="{EF6EAEBE-D73E-42DB-BEEC-0E1D1642DD0E}" type="datetimeFigureOut">
               <a:rPr lang="en-US" smtClean="0"/>
-              <a:t>11/3/2019</a:t>
+              <a:t>11/17/2019</a:t>
             </a:fld>
             <a:endParaRPr lang="en-US"/>
           </a:p>
@@ -2382,7 +2394,7 @@
           <a:p>
             <a:fld id="{EF6EAEBE-D73E-42DB-BEEC-0E1D1642DD0E}" type="datetimeFigureOut">
               <a:rPr lang="en-US" smtClean="0"/>
-              <a:t>11/3/2019</a:t>
+              <a:t>11/17/2019</a:t>
             </a:fld>
             <a:endParaRPr lang="en-US"/>
           </a:p>
@@ -2670,7 +2682,7 @@
           <a:p>
             <a:fld id="{EF6EAEBE-D73E-42DB-BEEC-0E1D1642DD0E}" type="datetimeFigureOut">
               <a:rPr lang="en-US" smtClean="0"/>
-              <a:t>11/3/2019</a:t>
+              <a:t>11/17/2019</a:t>
             </a:fld>
             <a:endParaRPr lang="en-US"/>
           </a:p>
@@ -2911,7 +2923,7 @@
           <a:p>
             <a:fld id="{EF6EAEBE-D73E-42DB-BEEC-0E1D1642DD0E}" type="datetimeFigureOut">
               <a:rPr lang="en-US" smtClean="0"/>
-              <a:t>11/3/2019</a:t>
+              <a:t>11/17/2019</a:t>
             </a:fld>
             <a:endParaRPr lang="en-US"/>
           </a:p>
@@ -3603,10 +3615,9 @@
           <a:p>
             <a:pPr algn="ctr"/>
             <a:r>
-              <a:rPr lang="en-US" dirty="0" err="1"/>
-              <a:t>Reportings</a:t>
-            </a:r>
-            <a:endParaRPr lang="en-US" dirty="0"/>
+              <a:rPr lang="en-US" dirty="0"/>
+              <a:t>Reporting</a:t>
+            </a:r>
           </a:p>
         </p:txBody>
       </p:sp>
@@ -3731,6 +3742,88 @@
           </a:fontRef>
         </p:style>
       </p:cxnSp>
+      <p:sp>
+        <p:nvSpPr>
+          <p:cNvPr id="10" name="TextBox 9">
+            <a:extLst>
+              <a:ext uri="{FF2B5EF4-FFF2-40B4-BE49-F238E27FC236}">
+                <a16:creationId xmlns:a16="http://schemas.microsoft.com/office/drawing/2014/main" id="{98323E8C-1D16-480C-A897-D2DA6A8FBBE9}"/>
+              </a:ext>
+            </a:extLst>
+          </p:cNvPr>
+          <p:cNvSpPr txBox="1"/>
+          <p:nvPr/>
+        </p:nvSpPr>
+        <p:spPr>
+          <a:xfrm>
+            <a:off x="7592343" y="6445623"/>
+            <a:ext cx="4102405" cy="338554"/>
+          </a:xfrm>
+          <a:prstGeom prst="rect">
+            <a:avLst/>
+          </a:prstGeom>
+          <a:noFill/>
+        </p:spPr>
+        <p:txBody>
+          <a:bodyPr wrap="none" rtlCol="0">
+            <a:spAutoFit/>
+          </a:bodyPr>
+          <a:lstStyle/>
+          <a:p>
+            <a:r>
+              <a:rPr lang="en-US" sz="1600" dirty="0"/>
+              <a:t>https://github.com/microsoftbi/PSA-Generator</a:t>
+            </a:r>
+          </a:p>
+        </p:txBody>
+      </p:sp>
+      <p:sp>
+        <p:nvSpPr>
+          <p:cNvPr id="12" name="Rectangle 11">
+            <a:extLst>
+              <a:ext uri="{FF2B5EF4-FFF2-40B4-BE49-F238E27FC236}">
+                <a16:creationId xmlns:a16="http://schemas.microsoft.com/office/drawing/2014/main" id="{43A85AA4-3546-4188-B79F-C10DFC423859}"/>
+              </a:ext>
+            </a:extLst>
+          </p:cNvPr>
+          <p:cNvSpPr/>
+          <p:nvPr/>
+        </p:nvSpPr>
+        <p:spPr>
+          <a:xfrm>
+            <a:off x="3193137" y="1255058"/>
+            <a:ext cx="582708" cy="4061012"/>
+          </a:xfrm>
+          <a:prstGeom prst="rect">
+            <a:avLst/>
+          </a:prstGeom>
+        </p:spPr>
+        <p:style>
+          <a:lnRef idx="3">
+            <a:schemeClr val="lt1"/>
+          </a:lnRef>
+          <a:fillRef idx="1">
+            <a:schemeClr val="accent5"/>
+          </a:fillRef>
+          <a:effectRef idx="1">
+            <a:schemeClr val="accent5"/>
+          </a:effectRef>
+          <a:fontRef idx="minor">
+            <a:schemeClr val="lt1"/>
+          </a:fontRef>
+        </p:style>
+        <p:txBody>
+          <a:bodyPr vert="vert270" rtlCol="0" anchor="t"/>
+          <a:lstStyle/>
+          <a:p>
+            <a:pPr algn="ctr"/>
+            <a:r>
+              <a:rPr lang="en-US" dirty="0"/>
+              <a:t>META</a:t>
+            </a:r>
+          </a:p>
+        </p:txBody>
+      </p:sp>
     </p:spTree>
     <p:extLst>
       <p:ext uri="{BB962C8B-B14F-4D97-AF65-F5344CB8AC3E}">
@@ -3763,10 +3856,10 @@
       </p:grpSpPr>
       <p:sp>
         <p:nvSpPr>
-          <p:cNvPr id="2" name="Rectangle 1">
-            <a:extLst>
-              <a:ext uri="{FF2B5EF4-FFF2-40B4-BE49-F238E27FC236}">
-                <a16:creationId xmlns:a16="http://schemas.microsoft.com/office/drawing/2014/main" id="{60F1358D-31EA-4F29-8D91-56EBDB2AD214}"/>
+          <p:cNvPr id="23" name="Rectangle 22">
+            <a:extLst>
+              <a:ext uri="{FF2B5EF4-FFF2-40B4-BE49-F238E27FC236}">
+                <a16:creationId xmlns:a16="http://schemas.microsoft.com/office/drawing/2014/main" id="{4936F03C-C5E7-4D93-8D47-1ABCA1B98C08}"/>
               </a:ext>
             </a:extLst>
           </p:cNvPr>
@@ -3775,7 +3868,53 @@
         </p:nvSpPr>
         <p:spPr>
           <a:xfrm>
-            <a:off x="601764" y="2043953"/>
+            <a:off x="163034" y="1066065"/>
+            <a:ext cx="11760025" cy="2714625"/>
+          </a:xfrm>
+          <a:prstGeom prst="rect">
+            <a:avLst/>
+          </a:prstGeom>
+        </p:spPr>
+        <p:style>
+          <a:lnRef idx="1">
+            <a:schemeClr val="accent5"/>
+          </a:lnRef>
+          <a:fillRef idx="2">
+            <a:schemeClr val="accent5"/>
+          </a:fillRef>
+          <a:effectRef idx="1">
+            <a:schemeClr val="accent5"/>
+          </a:effectRef>
+          <a:fontRef idx="minor">
+            <a:schemeClr val="dk1"/>
+          </a:fontRef>
+        </p:style>
+        <p:txBody>
+          <a:bodyPr rtlCol="0" anchor="t"/>
+          <a:lstStyle/>
+          <a:p>
+            <a:r>
+              <a:rPr lang="en-US" sz="1600" dirty="0"/>
+              <a:t>PSA</a:t>
+            </a:r>
+          </a:p>
+        </p:txBody>
+      </p:sp>
+      <p:sp>
+        <p:nvSpPr>
+          <p:cNvPr id="2" name="Rectangle 1">
+            <a:extLst>
+              <a:ext uri="{FF2B5EF4-FFF2-40B4-BE49-F238E27FC236}">
+                <a16:creationId xmlns:a16="http://schemas.microsoft.com/office/drawing/2014/main" id="{60F1358D-31EA-4F29-8D91-56EBDB2AD214}"/>
+              </a:ext>
+            </a:extLst>
+          </p:cNvPr>
+          <p:cNvSpPr/>
+          <p:nvPr/>
+        </p:nvSpPr>
+        <p:spPr>
+          <a:xfrm>
+            <a:off x="350376" y="2043953"/>
             <a:ext cx="2017059" cy="582706"/>
           </a:xfrm>
           <a:prstGeom prst="rect">
@@ -3804,7 +3943,7 @@
           <a:p>
             <a:pPr algn="ctr"/>
             <a:r>
-              <a:rPr lang="en-US" dirty="0"/>
+              <a:rPr lang="en-US" sz="1600" dirty="0"/>
               <a:t>Landing zone</a:t>
             </a:r>
           </a:p>
@@ -3853,7 +3992,7 @@
           <a:p>
             <a:pPr algn="ctr"/>
             <a:r>
-              <a:rPr lang="en-US" dirty="0"/>
+              <a:rPr lang="en-US" sz="1600" dirty="0"/>
               <a:t>Stage</a:t>
             </a:r>
           </a:p>
@@ -3902,7 +4041,7 @@
           <a:p>
             <a:pPr algn="ctr"/>
             <a:r>
-              <a:rPr lang="en-US" dirty="0"/>
+              <a:rPr lang="en-US" sz="1600" dirty="0"/>
               <a:t>Historical</a:t>
             </a:r>
           </a:p>
@@ -3922,8 +4061,8 @@
         </p:nvSpPr>
         <p:spPr>
           <a:xfrm>
-            <a:off x="842682" y="3254188"/>
-            <a:ext cx="2232086" cy="338554"/>
+            <a:off x="350376" y="3044252"/>
+            <a:ext cx="1721882" cy="276999"/>
           </a:xfrm>
           <a:prstGeom prst="rect">
             <a:avLst/>
@@ -3937,7 +4076,7 @@
           <a:lstStyle/>
           <a:p>
             <a:r>
-              <a:rPr lang="en-US" sz="1600" dirty="0"/>
+              <a:rPr lang="en-US" sz="1200" dirty="0"/>
               <a:t>1 to 1 from source table.</a:t>
             </a:r>
           </a:p>
@@ -3957,8 +4096,8 @@
         </p:nvSpPr>
         <p:spPr>
           <a:xfrm>
-            <a:off x="4851588" y="3244334"/>
-            <a:ext cx="1095172" cy="830997"/>
+            <a:off x="4050984" y="2986308"/>
+            <a:ext cx="867545" cy="461665"/>
           </a:xfrm>
           <a:prstGeom prst="rect">
             <a:avLst/>
@@ -3972,20 +4111,14 @@
           <a:lstStyle/>
           <a:p>
             <a:r>
-              <a:rPr lang="en-US" sz="1600" u="sng" dirty="0"/>
+              <a:rPr lang="en-US" sz="1200" u="sng" dirty="0"/>
               <a:t>Insert time</a:t>
             </a:r>
           </a:p>
           <a:p>
             <a:r>
-              <a:rPr lang="en-US" sz="1600" u="sng" dirty="0"/>
+              <a:rPr lang="en-US" sz="1200" u="sng" dirty="0"/>
               <a:t>Hash diff</a:t>
-            </a:r>
-          </a:p>
-          <a:p>
-            <a:r>
-              <a:rPr lang="en-US" sz="1600" dirty="0"/>
-              <a:t>Added</a:t>
             </a:r>
           </a:p>
         </p:txBody>
@@ -4004,8 +4137,8 @@
         </p:nvSpPr>
         <p:spPr>
           <a:xfrm>
-            <a:off x="9208435" y="3254188"/>
-            <a:ext cx="1038746" cy="1077218"/>
+            <a:off x="8805023" y="2918011"/>
+            <a:ext cx="824393" cy="646331"/>
           </a:xfrm>
           <a:prstGeom prst="rect">
             <a:avLst/>
@@ -4019,26 +4152,20 @@
           <a:lstStyle/>
           <a:p>
             <a:r>
-              <a:rPr lang="en-US" sz="1600" u="sng" dirty="0"/>
+              <a:rPr lang="en-US" sz="1200" u="sng" dirty="0"/>
               <a:t>Valid from</a:t>
             </a:r>
           </a:p>
           <a:p>
             <a:r>
-              <a:rPr lang="en-US" sz="1600" u="sng" dirty="0"/>
+              <a:rPr lang="en-US" sz="1200" u="sng" dirty="0"/>
               <a:t>Valid to</a:t>
             </a:r>
           </a:p>
           <a:p>
             <a:r>
-              <a:rPr lang="en-US" sz="1600" u="sng" dirty="0"/>
+              <a:rPr lang="en-US" sz="1200" u="sng" dirty="0"/>
               <a:t>Is current</a:t>
-            </a:r>
-          </a:p>
-          <a:p>
-            <a:r>
-              <a:rPr lang="en-US" sz="1600" dirty="0"/>
-              <a:t>Added</a:t>
             </a:r>
           </a:p>
         </p:txBody>
@@ -4060,8 +4187,8 @@
         </p:nvCxnSpPr>
         <p:spPr>
           <a:xfrm>
-            <a:off x="2618823" y="2335306"/>
-            <a:ext cx="2338659" cy="0"/>
+            <a:off x="2367435" y="2335306"/>
+            <a:ext cx="2590047" cy="0"/>
           </a:xfrm>
           <a:prstGeom prst="straightConnector1">
             <a:avLst/>
@@ -4129,76 +4256,6 @@
       </p:cxnSp>
       <p:sp>
         <p:nvSpPr>
-          <p:cNvPr id="12" name="TextBox 11">
-            <a:extLst>
-              <a:ext uri="{FF2B5EF4-FFF2-40B4-BE49-F238E27FC236}">
-                <a16:creationId xmlns:a16="http://schemas.microsoft.com/office/drawing/2014/main" id="{A825B21D-025E-4C08-AFC6-BC33805D4B66}"/>
-              </a:ext>
-            </a:extLst>
-          </p:cNvPr>
-          <p:cNvSpPr txBox="1"/>
-          <p:nvPr/>
-        </p:nvSpPr>
-        <p:spPr>
-          <a:xfrm>
-            <a:off x="3589989" y="1965974"/>
-            <a:ext cx="556563" cy="369332"/>
-          </a:xfrm>
-          <a:prstGeom prst="rect">
-            <a:avLst/>
-          </a:prstGeom>
-          <a:noFill/>
-        </p:spPr>
-        <p:txBody>
-          <a:bodyPr wrap="none" rtlCol="0">
-            <a:spAutoFit/>
-          </a:bodyPr>
-          <a:lstStyle/>
-          <a:p>
-            <a:r>
-              <a:rPr lang="en-US" dirty="0"/>
-              <a:t>USP</a:t>
-            </a:r>
-          </a:p>
-        </p:txBody>
-      </p:sp>
-      <p:sp>
-        <p:nvSpPr>
-          <p:cNvPr id="13" name="TextBox 12">
-            <a:extLst>
-              <a:ext uri="{FF2B5EF4-FFF2-40B4-BE49-F238E27FC236}">
-                <a16:creationId xmlns:a16="http://schemas.microsoft.com/office/drawing/2014/main" id="{2C76A014-CDAD-4451-9710-13B396CEC3A8}"/>
-              </a:ext>
-            </a:extLst>
-          </p:cNvPr>
-          <p:cNvSpPr txBox="1"/>
-          <p:nvPr/>
-        </p:nvSpPr>
-        <p:spPr>
-          <a:xfrm>
-            <a:off x="7745129" y="1926985"/>
-            <a:ext cx="556563" cy="369332"/>
-          </a:xfrm>
-          <a:prstGeom prst="rect">
-            <a:avLst/>
-          </a:prstGeom>
-          <a:noFill/>
-        </p:spPr>
-        <p:txBody>
-          <a:bodyPr wrap="none" rtlCol="0">
-            <a:spAutoFit/>
-          </a:bodyPr>
-          <a:lstStyle/>
-          <a:p>
-            <a:r>
-              <a:rPr lang="en-US" dirty="0"/>
-              <a:t>USP</a:t>
-            </a:r>
-          </a:p>
-        </p:txBody>
-      </p:sp>
-      <p:sp>
-        <p:nvSpPr>
           <p:cNvPr id="14" name="TextBox 13">
             <a:extLst>
               <a:ext uri="{FF2B5EF4-FFF2-40B4-BE49-F238E27FC236}">
@@ -4315,7 +4372,7 @@
         <p:spPr>
           <a:xfrm>
             <a:off x="1017118" y="1391915"/>
-            <a:ext cx="1144865" cy="369332"/>
+            <a:ext cx="545342" cy="369332"/>
           </a:xfrm>
           <a:prstGeom prst="rect">
             <a:avLst/>
@@ -4334,17 +4391,17 @@
                   <a:srgbClr val="FFFF00"/>
                 </a:highlight>
               </a:rPr>
-              <a:t>GAMELIST</a:t>
-            </a:r>
-          </a:p>
-        </p:txBody>
-      </p:sp>
-      <p:sp>
-        <p:nvSpPr>
-          <p:cNvPr id="17" name="TextBox 16">
-            <a:extLst>
-              <a:ext uri="{FF2B5EF4-FFF2-40B4-BE49-F238E27FC236}">
-                <a16:creationId xmlns:a16="http://schemas.microsoft.com/office/drawing/2014/main" id="{3AABCD6A-0463-4867-AE67-9BE74CBD29B6}"/>
+              <a:t>XXX</a:t>
+            </a:r>
+          </a:p>
+        </p:txBody>
+      </p:sp>
+      <p:sp>
+        <p:nvSpPr>
+          <p:cNvPr id="18" name="TextBox 17">
+            <a:extLst>
+              <a:ext uri="{FF2B5EF4-FFF2-40B4-BE49-F238E27FC236}">
+                <a16:creationId xmlns:a16="http://schemas.microsoft.com/office/drawing/2014/main" id="{0B3A372C-99E9-47FF-A843-83EF7F9C9E3D}"/>
               </a:ext>
             </a:extLst>
           </p:cNvPr>
@@ -4353,8 +4410,8 @@
         </p:nvSpPr>
         <p:spPr>
           <a:xfrm>
-            <a:off x="2736550" y="1391915"/>
-            <a:ext cx="2103204" cy="369332"/>
+            <a:off x="5167777" y="1391915"/>
+            <a:ext cx="1016368" cy="369332"/>
           </a:xfrm>
           <a:prstGeom prst="rect">
             <a:avLst/>
@@ -4373,17 +4430,17 @@
                   <a:srgbClr val="FFFF00"/>
                 </a:highlight>
               </a:rPr>
-              <a:t>USP_GAMELIST_STG</a:t>
-            </a:r>
-          </a:p>
-        </p:txBody>
-      </p:sp>
-      <p:sp>
-        <p:nvSpPr>
-          <p:cNvPr id="18" name="TextBox 17">
-            <a:extLst>
-              <a:ext uri="{FF2B5EF4-FFF2-40B4-BE49-F238E27FC236}">
-                <a16:creationId xmlns:a16="http://schemas.microsoft.com/office/drawing/2014/main" id="{0B3A372C-99E9-47FF-A843-83EF7F9C9E3D}"/>
+              <a:t>XXX_STG</a:t>
+            </a:r>
+          </a:p>
+        </p:txBody>
+      </p:sp>
+      <p:sp>
+        <p:nvSpPr>
+          <p:cNvPr id="20" name="TextBox 19">
+            <a:extLst>
+              <a:ext uri="{FF2B5EF4-FFF2-40B4-BE49-F238E27FC236}">
+                <a16:creationId xmlns:a16="http://schemas.microsoft.com/office/drawing/2014/main" id="{C8261356-9FCE-4ACB-8771-7BBA77C4EC87}"/>
               </a:ext>
             </a:extLst>
           </p:cNvPr>
@@ -4392,8 +4449,8 @@
         </p:nvSpPr>
         <p:spPr>
           <a:xfrm>
-            <a:off x="5167777" y="1391915"/>
-            <a:ext cx="1615892" cy="369332"/>
+            <a:off x="9564588" y="1383269"/>
+            <a:ext cx="1455848" cy="369332"/>
           </a:xfrm>
           <a:prstGeom prst="rect">
             <a:avLst/>
@@ -4412,134 +4469,147 @@
                   <a:srgbClr val="FFFF00"/>
                 </a:highlight>
               </a:rPr>
-              <a:t>GAMELIST_STG</a:t>
-            </a:r>
-          </a:p>
-        </p:txBody>
-      </p:sp>
-      <p:sp>
-        <p:nvSpPr>
-          <p:cNvPr id="19" name="TextBox 18">
-            <a:extLst>
-              <a:ext uri="{FF2B5EF4-FFF2-40B4-BE49-F238E27FC236}">
-                <a16:creationId xmlns:a16="http://schemas.microsoft.com/office/drawing/2014/main" id="{2A6B2FA5-F4EB-4173-8E11-B4E83FE76DA2}"/>
-              </a:ext>
-            </a:extLst>
-          </p:cNvPr>
-          <p:cNvSpPr txBox="1"/>
+              <a:t>USP_XXX_HIS</a:t>
+            </a:r>
+          </a:p>
+        </p:txBody>
+      </p:sp>
+      <p:sp>
+        <p:nvSpPr>
+          <p:cNvPr id="10" name="Rectangle: Rounded Corners 9">
+            <a:extLst>
+              <a:ext uri="{FF2B5EF4-FFF2-40B4-BE49-F238E27FC236}">
+                <a16:creationId xmlns:a16="http://schemas.microsoft.com/office/drawing/2014/main" id="{C4F1DC07-1F64-435B-BD29-553E0400A701}"/>
+              </a:ext>
+            </a:extLst>
+          </p:cNvPr>
+          <p:cNvSpPr/>
           <p:nvPr/>
         </p:nvSpPr>
         <p:spPr>
           <a:xfrm>
-            <a:off x="7274006" y="1383269"/>
-            <a:ext cx="2055371" cy="369332"/>
+            <a:off x="2776849" y="2115671"/>
+            <a:ext cx="1626277" cy="452718"/>
+          </a:xfrm>
+          <a:prstGeom prst="roundRect">
+            <a:avLst/>
+          </a:prstGeom>
+        </p:spPr>
+        <p:style>
+          <a:lnRef idx="1">
+            <a:schemeClr val="accent4"/>
+          </a:lnRef>
+          <a:fillRef idx="2">
+            <a:schemeClr val="accent4"/>
+          </a:fillRef>
+          <a:effectRef idx="1">
+            <a:schemeClr val="accent4"/>
+          </a:effectRef>
+          <a:fontRef idx="minor">
+            <a:schemeClr val="dk1"/>
+          </a:fontRef>
+        </p:style>
+        <p:txBody>
+          <a:bodyPr rtlCol="0" anchor="ctr"/>
+          <a:lstStyle/>
+          <a:p>
+            <a:pPr algn="ctr"/>
+            <a:r>
+              <a:rPr lang="en-US" sz="1600" dirty="0"/>
+              <a:t>USP_XXX_STG</a:t>
+            </a:r>
+          </a:p>
+        </p:txBody>
+      </p:sp>
+      <p:sp>
+        <p:nvSpPr>
+          <p:cNvPr id="22" name="Rectangle: Rounded Corners 21">
+            <a:extLst>
+              <a:ext uri="{FF2B5EF4-FFF2-40B4-BE49-F238E27FC236}">
+                <a16:creationId xmlns:a16="http://schemas.microsoft.com/office/drawing/2014/main" id="{8D8ACA69-03F6-4ED8-895E-DDEA6A9EB7F6}"/>
+              </a:ext>
+            </a:extLst>
+          </p:cNvPr>
+          <p:cNvSpPr/>
+          <p:nvPr/>
+        </p:nvSpPr>
+        <p:spPr>
+          <a:xfrm>
+            <a:off x="7456426" y="2115671"/>
+            <a:ext cx="1626277" cy="452718"/>
+          </a:xfrm>
+          <a:prstGeom prst="roundRect">
+            <a:avLst/>
+          </a:prstGeom>
+        </p:spPr>
+        <p:style>
+          <a:lnRef idx="1">
+            <a:schemeClr val="accent4"/>
+          </a:lnRef>
+          <a:fillRef idx="2">
+            <a:schemeClr val="accent4"/>
+          </a:fillRef>
+          <a:effectRef idx="1">
+            <a:schemeClr val="accent4"/>
+          </a:effectRef>
+          <a:fontRef idx="minor">
+            <a:schemeClr val="dk1"/>
+          </a:fontRef>
+        </p:style>
+        <p:txBody>
+          <a:bodyPr rtlCol="0" anchor="ctr"/>
+          <a:lstStyle/>
+          <a:p>
+            <a:pPr algn="ctr"/>
+            <a:r>
+              <a:rPr lang="en-US" sz="1600" dirty="0"/>
+              <a:t>USP_XXX_HIS</a:t>
+            </a:r>
+          </a:p>
+        </p:txBody>
+      </p:sp>
+      <p:sp>
+        <p:nvSpPr>
+          <p:cNvPr id="24" name="Rectangle 23">
+            <a:extLst>
+              <a:ext uri="{FF2B5EF4-FFF2-40B4-BE49-F238E27FC236}">
+                <a16:creationId xmlns:a16="http://schemas.microsoft.com/office/drawing/2014/main" id="{935FA720-E7F6-487C-8639-3632E6765E72}"/>
+              </a:ext>
+            </a:extLst>
+          </p:cNvPr>
+          <p:cNvSpPr/>
+          <p:nvPr/>
+        </p:nvSpPr>
+        <p:spPr>
+          <a:xfrm>
+            <a:off x="163034" y="4073408"/>
+            <a:ext cx="11760025" cy="579972"/>
           </a:xfrm>
           <a:prstGeom prst="rect">
             <a:avLst/>
           </a:prstGeom>
-          <a:noFill/>
-        </p:spPr>
-        <p:txBody>
-          <a:bodyPr wrap="none" rtlCol="0">
-            <a:spAutoFit/>
-          </a:bodyPr>
-          <a:lstStyle/>
-          <a:p>
-            <a:r>
-              <a:rPr lang="en-US" dirty="0">
-                <a:highlight>
-                  <a:srgbClr val="FFFF00"/>
-                </a:highlight>
-              </a:rPr>
-              <a:t>USP_GAMELIST_HIS</a:t>
-            </a:r>
-          </a:p>
-        </p:txBody>
-      </p:sp>
-      <p:sp>
-        <p:nvSpPr>
-          <p:cNvPr id="20" name="TextBox 19">
-            <a:extLst>
-              <a:ext uri="{FF2B5EF4-FFF2-40B4-BE49-F238E27FC236}">
-                <a16:creationId xmlns:a16="http://schemas.microsoft.com/office/drawing/2014/main" id="{C8261356-9FCE-4ACB-8771-7BBA77C4EC87}"/>
-              </a:ext>
-            </a:extLst>
-          </p:cNvPr>
-          <p:cNvSpPr txBox="1"/>
-          <p:nvPr/>
-        </p:nvSpPr>
-        <p:spPr>
-          <a:xfrm>
-            <a:off x="9564588" y="1383269"/>
-            <a:ext cx="2055371" cy="369332"/>
-          </a:xfrm>
-          <a:prstGeom prst="rect">
-            <a:avLst/>
-          </a:prstGeom>
-          <a:noFill/>
-        </p:spPr>
-        <p:txBody>
-          <a:bodyPr wrap="none" rtlCol="0">
-            <a:spAutoFit/>
-          </a:bodyPr>
-          <a:lstStyle/>
-          <a:p>
-            <a:r>
-              <a:rPr lang="en-US" dirty="0">
-                <a:highlight>
-                  <a:srgbClr val="FFFF00"/>
-                </a:highlight>
-              </a:rPr>
-              <a:t>USP_GAMELIST_HIS</a:t>
-            </a:r>
-          </a:p>
-        </p:txBody>
-      </p:sp>
-      <p:sp>
-        <p:nvSpPr>
-          <p:cNvPr id="21" name="TextBox 20">
-            <a:extLst>
-              <a:ext uri="{FF2B5EF4-FFF2-40B4-BE49-F238E27FC236}">
-                <a16:creationId xmlns:a16="http://schemas.microsoft.com/office/drawing/2014/main" id="{93C377B3-6B7E-40F6-BC69-650F4C5F53D1}"/>
-              </a:ext>
-            </a:extLst>
-          </p:cNvPr>
-          <p:cNvSpPr txBox="1"/>
-          <p:nvPr/>
-        </p:nvSpPr>
-        <p:spPr>
-          <a:xfrm>
-            <a:off x="717176" y="4597069"/>
-            <a:ext cx="4533549" cy="584775"/>
-          </a:xfrm>
-          <a:prstGeom prst="rect">
-            <a:avLst/>
-          </a:prstGeom>
-          <a:noFill/>
-        </p:spPr>
-        <p:txBody>
-          <a:bodyPr wrap="none" rtlCol="0">
-            <a:spAutoFit/>
-          </a:bodyPr>
-          <a:lstStyle/>
-          <a:p>
-            <a:r>
-              <a:rPr lang="en-US" sz="1600" b="1" u="sng" dirty="0">
-                <a:effectLst>
-                  <a:outerShdw blurRad="38100" dist="38100" dir="2700000" algn="tl">
-                    <a:srgbClr val="000000">
-                      <a:alpha val="43137"/>
-                    </a:srgbClr>
-                  </a:outerShdw>
-                </a:effectLst>
-              </a:rPr>
-              <a:t>PSA target: </a:t>
-            </a:r>
-          </a:p>
+        </p:spPr>
+        <p:style>
+          <a:lnRef idx="1">
+            <a:schemeClr val="accent5"/>
+          </a:lnRef>
+          <a:fillRef idx="2">
+            <a:schemeClr val="accent5"/>
+          </a:fillRef>
+          <a:effectRef idx="1">
+            <a:schemeClr val="accent5"/>
+          </a:effectRef>
+          <a:fontRef idx="minor">
+            <a:schemeClr val="dk1"/>
+          </a:fontRef>
+        </p:style>
+        <p:txBody>
+          <a:bodyPr rtlCol="0" anchor="t"/>
+          <a:lstStyle/>
           <a:p>
             <a:r>
               <a:rPr lang="en-US" sz="1600" dirty="0"/>
-              <a:t>To keep data loaded in staging area historical stored.</a:t>
+              <a:t>META</a:t>
             </a:r>
           </a:p>
         </p:txBody>
@@ -4589,7 +4659,7 @@
         <p:spPr>
           <a:xfrm>
             <a:off x="187871" y="233082"/>
-            <a:ext cx="2205668" cy="584775"/>
+            <a:ext cx="1163908" cy="584775"/>
           </a:xfrm>
           <a:prstGeom prst="rect">
             <a:avLst/>
@@ -4612,7 +4682,7 @@
                   </a:outerShdw>
                 </a:effectLst>
               </a:rPr>
-              <a:t>META notes</a:t>
+              <a:t>META</a:t>
             </a:r>
           </a:p>
         </p:txBody>
@@ -4647,7 +4717,7 @@
           <a:p>
             <a:r>
               <a:rPr lang="en-US" dirty="0"/>
-              <a:t>Information:</a:t>
+              <a:t>Include:</a:t>
             </a:r>
           </a:p>
           <a:p>

--- a/DOCS/Intro.pptx
+++ b/DOCS/Intro.pptx
@@ -6,8 +6,13 @@
   </p:sldMasterIdLst>
   <p:sldIdLst>
     <p:sldId id="258" r:id="rId2"/>
-    <p:sldId id="257" r:id="rId3"/>
-    <p:sldId id="259" r:id="rId4"/>
+    <p:sldId id="264" r:id="rId3"/>
+    <p:sldId id="257" r:id="rId4"/>
+    <p:sldId id="261" r:id="rId5"/>
+    <p:sldId id="262" r:id="rId6"/>
+    <p:sldId id="263" r:id="rId7"/>
+    <p:sldId id="259" r:id="rId8"/>
+    <p:sldId id="260" r:id="rId9"/>
   </p:sldIdLst>
   <p:sldSz cx="12192000" cy="6858000"/>
   <p:notesSz cx="6858000" cy="9144000"/>
@@ -273,7 +278,7 @@
           <a:p>
             <a:fld id="{EF6EAEBE-D73E-42DB-BEEC-0E1D1642DD0E}" type="datetimeFigureOut">
               <a:rPr lang="en-US" smtClean="0"/>
-              <a:t>11/17/2019</a:t>
+              <a:t>11/18/2019</a:t>
             </a:fld>
             <a:endParaRPr lang="en-US"/>
           </a:p>
@@ -471,7 +476,7 @@
           <a:p>
             <a:fld id="{EF6EAEBE-D73E-42DB-BEEC-0E1D1642DD0E}" type="datetimeFigureOut">
               <a:rPr lang="en-US" smtClean="0"/>
-              <a:t>11/17/2019</a:t>
+              <a:t>11/18/2019</a:t>
             </a:fld>
             <a:endParaRPr lang="en-US"/>
           </a:p>
@@ -679,7 +684,7 @@
           <a:p>
             <a:fld id="{EF6EAEBE-D73E-42DB-BEEC-0E1D1642DD0E}" type="datetimeFigureOut">
               <a:rPr lang="en-US" smtClean="0"/>
-              <a:t>11/17/2019</a:t>
+              <a:t>11/18/2019</a:t>
             </a:fld>
             <a:endParaRPr lang="en-US"/>
           </a:p>
@@ -877,7 +882,7 @@
           <a:p>
             <a:fld id="{EF6EAEBE-D73E-42DB-BEEC-0E1D1642DD0E}" type="datetimeFigureOut">
               <a:rPr lang="en-US" smtClean="0"/>
-              <a:t>11/17/2019</a:t>
+              <a:t>11/18/2019</a:t>
             </a:fld>
             <a:endParaRPr lang="en-US"/>
           </a:p>
@@ -1152,7 +1157,7 @@
           <a:p>
             <a:fld id="{EF6EAEBE-D73E-42DB-BEEC-0E1D1642DD0E}" type="datetimeFigureOut">
               <a:rPr lang="en-US" smtClean="0"/>
-              <a:t>11/17/2019</a:t>
+              <a:t>11/18/2019</a:t>
             </a:fld>
             <a:endParaRPr lang="en-US"/>
           </a:p>
@@ -1417,7 +1422,7 @@
           <a:p>
             <a:fld id="{EF6EAEBE-D73E-42DB-BEEC-0E1D1642DD0E}" type="datetimeFigureOut">
               <a:rPr lang="en-US" smtClean="0"/>
-              <a:t>11/17/2019</a:t>
+              <a:t>11/18/2019</a:t>
             </a:fld>
             <a:endParaRPr lang="en-US"/>
           </a:p>
@@ -1829,7 +1834,7 @@
           <a:p>
             <a:fld id="{EF6EAEBE-D73E-42DB-BEEC-0E1D1642DD0E}" type="datetimeFigureOut">
               <a:rPr lang="en-US" smtClean="0"/>
-              <a:t>11/17/2019</a:t>
+              <a:t>11/18/2019</a:t>
             </a:fld>
             <a:endParaRPr lang="en-US"/>
           </a:p>
@@ -1970,7 +1975,7 @@
           <a:p>
             <a:fld id="{EF6EAEBE-D73E-42DB-BEEC-0E1D1642DD0E}" type="datetimeFigureOut">
               <a:rPr lang="en-US" smtClean="0"/>
-              <a:t>11/17/2019</a:t>
+              <a:t>11/18/2019</a:t>
             </a:fld>
             <a:endParaRPr lang="en-US"/>
           </a:p>
@@ -2083,7 +2088,7 @@
           <a:p>
             <a:fld id="{EF6EAEBE-D73E-42DB-BEEC-0E1D1642DD0E}" type="datetimeFigureOut">
               <a:rPr lang="en-US" smtClean="0"/>
-              <a:t>11/17/2019</a:t>
+              <a:t>11/18/2019</a:t>
             </a:fld>
             <a:endParaRPr lang="en-US"/>
           </a:p>
@@ -2394,7 +2399,7 @@
           <a:p>
             <a:fld id="{EF6EAEBE-D73E-42DB-BEEC-0E1D1642DD0E}" type="datetimeFigureOut">
               <a:rPr lang="en-US" smtClean="0"/>
-              <a:t>11/17/2019</a:t>
+              <a:t>11/18/2019</a:t>
             </a:fld>
             <a:endParaRPr lang="en-US"/>
           </a:p>
@@ -2682,7 +2687,7 @@
           <a:p>
             <a:fld id="{EF6EAEBE-D73E-42DB-BEEC-0E1D1642DD0E}" type="datetimeFigureOut">
               <a:rPr lang="en-US" smtClean="0"/>
-              <a:t>11/17/2019</a:t>
+              <a:t>11/18/2019</a:t>
             </a:fld>
             <a:endParaRPr lang="en-US"/>
           </a:p>
@@ -2923,7 +2928,7 @@
           <a:p>
             <a:fld id="{EF6EAEBE-D73E-42DB-BEEC-0E1D1642DD0E}" type="datetimeFigureOut">
               <a:rPr lang="en-US" smtClean="0"/>
-              <a:t>11/17/2019</a:t>
+              <a:t>11/18/2019</a:t>
             </a:fld>
             <a:endParaRPr lang="en-US"/>
           </a:p>
@@ -3670,80 +3675,6 @@
       </p:sp>
       <p:sp>
         <p:nvSpPr>
-          <p:cNvPr id="9" name="TextBox 8">
-            <a:extLst>
-              <a:ext uri="{FF2B5EF4-FFF2-40B4-BE49-F238E27FC236}">
-                <a16:creationId xmlns:a16="http://schemas.microsoft.com/office/drawing/2014/main" id="{3F4B903F-E46E-4741-8A19-C3436B314CF4}"/>
-              </a:ext>
-            </a:extLst>
-          </p:cNvPr>
-          <p:cNvSpPr txBox="1"/>
-          <p:nvPr/>
-        </p:nvSpPr>
-        <p:spPr>
-          <a:xfrm>
-            <a:off x="8117539" y="4339971"/>
-            <a:ext cx="2283638" cy="338554"/>
-          </a:xfrm>
-          <a:prstGeom prst="rect">
-            <a:avLst/>
-          </a:prstGeom>
-          <a:noFill/>
-        </p:spPr>
-        <p:txBody>
-          <a:bodyPr wrap="none" rtlCol="0">
-            <a:spAutoFit/>
-          </a:bodyPr>
-          <a:lstStyle/>
-          <a:p>
-            <a:r>
-              <a:rPr lang="en-US" sz="1600" dirty="0"/>
-              <a:t>The demo is for this layer</a:t>
-            </a:r>
-          </a:p>
-        </p:txBody>
-      </p:sp>
-      <p:cxnSp>
-        <p:nvCxnSpPr>
-          <p:cNvPr id="11" name="Straight Arrow Connector 10">
-            <a:extLst>
-              <a:ext uri="{FF2B5EF4-FFF2-40B4-BE49-F238E27FC236}">
-                <a16:creationId xmlns:a16="http://schemas.microsoft.com/office/drawing/2014/main" id="{9B84728E-1DFB-4576-9B50-331C475F95D5}"/>
-              </a:ext>
-            </a:extLst>
-          </p:cNvPr>
-          <p:cNvCxnSpPr/>
-          <p:nvPr/>
-        </p:nvCxnSpPr>
-        <p:spPr>
-          <a:xfrm flipH="1">
-            <a:off x="6883194" y="4509248"/>
-            <a:ext cx="1122286" cy="0"/>
-          </a:xfrm>
-          <a:prstGeom prst="straightConnector1">
-            <a:avLst/>
-          </a:prstGeom>
-          <a:ln>
-            <a:tailEnd type="triangle"/>
-          </a:ln>
-        </p:spPr>
-        <p:style>
-          <a:lnRef idx="3">
-            <a:schemeClr val="dk1"/>
-          </a:lnRef>
-          <a:fillRef idx="0">
-            <a:schemeClr val="dk1"/>
-          </a:fillRef>
-          <a:effectRef idx="2">
-            <a:schemeClr val="dk1"/>
-          </a:effectRef>
-          <a:fontRef idx="minor">
-            <a:schemeClr val="tx1"/>
-          </a:fontRef>
-        </p:style>
-      </p:cxnSp>
-      <p:sp>
-        <p:nvSpPr>
           <p:cNvPr id="10" name="TextBox 9">
             <a:extLst>
               <a:ext uri="{FF2B5EF4-FFF2-40B4-BE49-F238E27FC236}">
@@ -3838,6 +3769,223 @@
 </file>
 
 <file path=ppt/slides/slide2.xml><?xml version="1.0" encoding="utf-8"?>
+<p:sld xmlns:a="http://schemas.openxmlformats.org/drawingml/2006/main" xmlns:r="http://schemas.openxmlformats.org/officeDocument/2006/relationships" xmlns:p="http://schemas.openxmlformats.org/presentationml/2006/main">
+  <p:cSld>
+    <p:spTree>
+      <p:nvGrpSpPr>
+        <p:cNvPr id="1" name=""/>
+        <p:cNvGrpSpPr/>
+        <p:nvPr/>
+      </p:nvGrpSpPr>
+      <p:grpSpPr>
+        <a:xfrm>
+          <a:off x="0" y="0"/>
+          <a:ext cx="0" cy="0"/>
+          <a:chOff x="0" y="0"/>
+          <a:chExt cx="0" cy="0"/>
+        </a:xfrm>
+      </p:grpSpPr>
+      <p:graphicFrame>
+        <p:nvGraphicFramePr>
+          <p:cNvPr id="4" name="Object 3" hidden="1"/>
+          <p:cNvGraphicFramePr>
+            <a:graphicFrameLocks noChangeAspect="1"/>
+          </p:cNvGraphicFramePr>
+          <p:nvPr>
+            <p:custDataLst>
+              <p:tags r:id="rId2"/>
+            </p:custDataLst>
+          </p:nvPr>
+        </p:nvGraphicFramePr>
+        <p:xfrm>
+          <a:off x="1588" y="1588"/>
+          <a:ext cx="1588" cy="1588"/>
+        </p:xfrm>
+        <a:graphic>
+          <a:graphicData uri="http://schemas.openxmlformats.org/presentationml/2006/ole">
+            <mc:AlternateContent xmlns:mc="http://schemas.openxmlformats.org/markup-compatibility/2006">
+              <mc:Choice xmlns:v="urn:schemas-microsoft-com:vml" Requires="v">
+                <p:oleObj spid="_x0000_s1029" name="think-cell Slide" r:id="rId4" imgW="473" imgH="473" progId="TCLayout.ActiveDocument.1">
+                  <p:embed/>
+                </p:oleObj>
+              </mc:Choice>
+              <mc:Fallback>
+                <p:oleObj name="think-cell Slide" r:id="rId4" imgW="473" imgH="473" progId="TCLayout.ActiveDocument.1">
+                  <p:embed/>
+                  <p:pic>
+                    <p:nvPicPr>
+                      <p:cNvPr id="4" name="Object 3" hidden="1"/>
+                      <p:cNvPicPr/>
+                      <p:nvPr/>
+                    </p:nvPicPr>
+                    <p:blipFill>
+                      <a:blip r:embed="rId5"/>
+                      <a:stretch>
+                        <a:fillRect/>
+                      </a:stretch>
+                    </p:blipFill>
+                    <p:spPr>
+                      <a:xfrm>
+                        <a:off x="1588" y="1588"/>
+                        <a:ext cx="1588" cy="1588"/>
+                      </a:xfrm>
+                      <a:prstGeom prst="rect">
+                        <a:avLst/>
+                      </a:prstGeom>
+                    </p:spPr>
+                  </p:pic>
+                </p:oleObj>
+              </mc:Fallback>
+            </mc:AlternateContent>
+          </a:graphicData>
+        </a:graphic>
+      </p:graphicFrame>
+      <p:sp>
+        <p:nvSpPr>
+          <p:cNvPr id="2" name="Title 1"/>
+          <p:cNvSpPr>
+            <a:spLocks noGrp="1"/>
+          </p:cNvSpPr>
+          <p:nvPr>
+            <p:ph type="title"/>
+          </p:nvPr>
+        </p:nvSpPr>
+        <p:spPr/>
+        <p:txBody>
+          <a:bodyPr/>
+          <a:lstStyle/>
+          <a:p>
+            <a:r>
+              <a:rPr lang="en-US" dirty="0"/>
+              <a:t>Difference</a:t>
+            </a:r>
+          </a:p>
+        </p:txBody>
+      </p:sp>
+      <p:sp>
+        <p:nvSpPr>
+          <p:cNvPr id="3" name="Content Placeholder 2"/>
+          <p:cNvSpPr>
+            <a:spLocks noGrp="1"/>
+          </p:cNvSpPr>
+          <p:nvPr>
+            <p:ph idx="1"/>
+          </p:nvPr>
+        </p:nvSpPr>
+        <p:spPr/>
+        <p:txBody>
+          <a:bodyPr>
+            <a:normAutofit lnSpcReduction="10000"/>
+          </a:bodyPr>
+          <a:lstStyle/>
+          <a:p>
+            <a:r>
+              <a:rPr lang="en-US" dirty="0"/>
+              <a:t>Insert only DWH.</a:t>
+            </a:r>
+          </a:p>
+          <a:p>
+            <a:pPr lvl="1"/>
+            <a:r>
+              <a:rPr lang="en-US" dirty="0"/>
+              <a:t>Time stamp: LOAD_DTS</a:t>
+            </a:r>
+          </a:p>
+          <a:p>
+            <a:pPr lvl="1"/>
+            <a:r>
+              <a:rPr lang="en-US" dirty="0"/>
+              <a:t>Updated data from source, insert new one directly.</a:t>
+            </a:r>
+          </a:p>
+          <a:p>
+            <a:pPr lvl="1"/>
+            <a:r>
+              <a:rPr lang="en-US" dirty="0"/>
+              <a:t>Indicator will be added, I for insert, U for update and D for delete.</a:t>
+            </a:r>
+          </a:p>
+          <a:p>
+            <a:pPr lvl="1"/>
+            <a:r>
+              <a:rPr lang="en-US" dirty="0"/>
+              <a:t>Calculate period information by LOAD_DTS.</a:t>
+            </a:r>
+          </a:p>
+          <a:p>
+            <a:r>
+              <a:rPr lang="en-US" dirty="0"/>
+              <a:t>Updateable DWH.(Merge)</a:t>
+            </a:r>
+          </a:p>
+          <a:p>
+            <a:pPr lvl="1"/>
+            <a:r>
+              <a:rPr lang="en-US" dirty="0"/>
+              <a:t>Time stamp: LOAD_DTS, LOAD_END_DTS, IS_CURRENT</a:t>
+            </a:r>
+          </a:p>
+          <a:p>
+            <a:pPr lvl="1"/>
+            <a:r>
+              <a:rPr lang="en-US" dirty="0"/>
+              <a:t>Updated data from source, insert new one, then </a:t>
+            </a:r>
+            <a:r>
+              <a:rPr lang="en-US" dirty="0">
+                <a:solidFill>
+                  <a:srgbClr val="FF0000"/>
+                </a:solidFill>
+              </a:rPr>
+              <a:t>update old record LOAD_END_DTS</a:t>
+            </a:r>
+            <a:r>
+              <a:rPr lang="en-US" dirty="0"/>
+              <a:t>.</a:t>
+            </a:r>
+          </a:p>
+          <a:p>
+            <a:pPr lvl="1"/>
+            <a:r>
+              <a:rPr lang="en-US" dirty="0"/>
+              <a:t>For performance purpose, IS_CURRENT in </a:t>
+            </a:r>
+            <a:r>
+              <a:rPr lang="en-US" dirty="0">
+                <a:solidFill>
+                  <a:srgbClr val="FF0000"/>
+                </a:solidFill>
+              </a:rPr>
+              <a:t>old record will also set to 0</a:t>
+            </a:r>
+            <a:r>
+              <a:rPr lang="en-US" dirty="0"/>
+              <a:t>, then new record set to 1.</a:t>
+            </a:r>
+          </a:p>
+          <a:p>
+            <a:pPr lvl="1"/>
+            <a:r>
+              <a:rPr lang="en-US" dirty="0"/>
+              <a:t>Get period information directly.</a:t>
+            </a:r>
+          </a:p>
+        </p:txBody>
+      </p:sp>
+    </p:spTree>
+    <p:extLst>
+      <p:ext uri="{BB962C8B-B14F-4D97-AF65-F5344CB8AC3E}">
+        <p14:creationId xmlns:p14="http://schemas.microsoft.com/office/powerpoint/2010/main" val="2905360239"/>
+      </p:ext>
+    </p:extLst>
+  </p:cSld>
+  <p:clrMapOvr>
+    <a:masterClrMapping/>
+  </p:clrMapOvr>
+</p:sld>
+</file>
+
+<file path=ppt/slides/slide3.xml><?xml version="1.0" encoding="utf-8"?>
 <p:sld xmlns:a="http://schemas.openxmlformats.org/drawingml/2006/main" xmlns:r="http://schemas.openxmlformats.org/officeDocument/2006/relationships" xmlns:p="http://schemas.openxmlformats.org/presentationml/2006/main">
   <p:cSld>
     <p:spTree>
@@ -4627,7 +4775,7 @@
 </p:sld>
 </file>
 
-<file path=ppt/slides/slide3.xml><?xml version="1.0" encoding="utf-8"?>
+<file path=ppt/slides/slide4.xml><?xml version="1.0" encoding="utf-8"?>
 <p:sld xmlns:a="http://schemas.openxmlformats.org/drawingml/2006/main" xmlns:r="http://schemas.openxmlformats.org/officeDocument/2006/relationships" xmlns:p="http://schemas.openxmlformats.org/presentationml/2006/main">
   <p:cSld>
     <p:spTree>
@@ -4644,6 +4792,186 @@
           <a:chExt cx="0" cy="0"/>
         </a:xfrm>
       </p:grpSpPr>
+      <p:pic>
+        <p:nvPicPr>
+          <p:cNvPr id="2" name="Picture 1">
+            <a:extLst>
+              <a:ext uri="{FF2B5EF4-FFF2-40B4-BE49-F238E27FC236}">
+                <a16:creationId xmlns:a16="http://schemas.microsoft.com/office/drawing/2014/main" id="{5FC34693-D55D-4A12-896E-7B2FE2177C8B}"/>
+              </a:ext>
+            </a:extLst>
+          </p:cNvPr>
+          <p:cNvPicPr>
+            <a:picLocks noChangeAspect="1"/>
+          </p:cNvPicPr>
+          <p:nvPr/>
+        </p:nvPicPr>
+        <p:blipFill>
+          <a:blip r:embed="rId2"/>
+          <a:stretch>
+            <a:fillRect/>
+          </a:stretch>
+        </p:blipFill>
+        <p:spPr>
+          <a:xfrm>
+            <a:off x="0" y="0"/>
+            <a:ext cx="12192000" cy="6858000"/>
+          </a:xfrm>
+          <a:prstGeom prst="rect">
+            <a:avLst/>
+          </a:prstGeom>
+        </p:spPr>
+      </p:pic>
+    </p:spTree>
+    <p:extLst>
+      <p:ext uri="{BB962C8B-B14F-4D97-AF65-F5344CB8AC3E}">
+        <p14:creationId xmlns:p14="http://schemas.microsoft.com/office/powerpoint/2010/main" val="3436858168"/>
+      </p:ext>
+    </p:extLst>
+  </p:cSld>
+  <p:clrMapOvr>
+    <a:masterClrMapping/>
+  </p:clrMapOvr>
+</p:sld>
+</file>
+
+<file path=ppt/slides/slide5.xml><?xml version="1.0" encoding="utf-8"?>
+<p:sld xmlns:a="http://schemas.openxmlformats.org/drawingml/2006/main" xmlns:r="http://schemas.openxmlformats.org/officeDocument/2006/relationships" xmlns:p="http://schemas.openxmlformats.org/presentationml/2006/main">
+  <p:cSld>
+    <p:spTree>
+      <p:nvGrpSpPr>
+        <p:cNvPr id="1" name=""/>
+        <p:cNvGrpSpPr/>
+        <p:nvPr/>
+      </p:nvGrpSpPr>
+      <p:grpSpPr>
+        <a:xfrm>
+          <a:off x="0" y="0"/>
+          <a:ext cx="0" cy="0"/>
+          <a:chOff x="0" y="0"/>
+          <a:chExt cx="0" cy="0"/>
+        </a:xfrm>
+      </p:grpSpPr>
+      <p:pic>
+        <p:nvPicPr>
+          <p:cNvPr id="2" name="Picture 1">
+            <a:extLst>
+              <a:ext uri="{FF2B5EF4-FFF2-40B4-BE49-F238E27FC236}">
+                <a16:creationId xmlns:a16="http://schemas.microsoft.com/office/drawing/2014/main" id="{E28676AB-707B-459F-89B0-60186F4EA495}"/>
+              </a:ext>
+            </a:extLst>
+          </p:cNvPr>
+          <p:cNvPicPr>
+            <a:picLocks noChangeAspect="1"/>
+          </p:cNvPicPr>
+          <p:nvPr/>
+        </p:nvPicPr>
+        <p:blipFill>
+          <a:blip r:embed="rId2"/>
+          <a:stretch>
+            <a:fillRect/>
+          </a:stretch>
+        </p:blipFill>
+        <p:spPr>
+          <a:xfrm>
+            <a:off x="0" y="0"/>
+            <a:ext cx="12192000" cy="6858000"/>
+          </a:xfrm>
+          <a:prstGeom prst="rect">
+            <a:avLst/>
+          </a:prstGeom>
+        </p:spPr>
+      </p:pic>
+    </p:spTree>
+    <p:extLst>
+      <p:ext uri="{BB962C8B-B14F-4D97-AF65-F5344CB8AC3E}">
+        <p14:creationId xmlns:p14="http://schemas.microsoft.com/office/powerpoint/2010/main" val="323962104"/>
+      </p:ext>
+    </p:extLst>
+  </p:cSld>
+  <p:clrMapOvr>
+    <a:masterClrMapping/>
+  </p:clrMapOvr>
+</p:sld>
+</file>
+
+<file path=ppt/slides/slide6.xml><?xml version="1.0" encoding="utf-8"?>
+<p:sld xmlns:a="http://schemas.openxmlformats.org/drawingml/2006/main" xmlns:r="http://schemas.openxmlformats.org/officeDocument/2006/relationships" xmlns:p="http://schemas.openxmlformats.org/presentationml/2006/main">
+  <p:cSld>
+    <p:spTree>
+      <p:nvGrpSpPr>
+        <p:cNvPr id="1" name=""/>
+        <p:cNvGrpSpPr/>
+        <p:nvPr/>
+      </p:nvGrpSpPr>
+      <p:grpSpPr>
+        <a:xfrm>
+          <a:off x="0" y="0"/>
+          <a:ext cx="0" cy="0"/>
+          <a:chOff x="0" y="0"/>
+          <a:chExt cx="0" cy="0"/>
+        </a:xfrm>
+      </p:grpSpPr>
+      <p:pic>
+        <p:nvPicPr>
+          <p:cNvPr id="2" name="Picture 1">
+            <a:extLst>
+              <a:ext uri="{FF2B5EF4-FFF2-40B4-BE49-F238E27FC236}">
+                <a16:creationId xmlns:a16="http://schemas.microsoft.com/office/drawing/2014/main" id="{F71C9F0F-1445-4A79-94CF-E0FB03B6039D}"/>
+              </a:ext>
+            </a:extLst>
+          </p:cNvPr>
+          <p:cNvPicPr>
+            <a:picLocks noChangeAspect="1"/>
+          </p:cNvPicPr>
+          <p:nvPr/>
+        </p:nvPicPr>
+        <p:blipFill>
+          <a:blip r:embed="rId2"/>
+          <a:stretch>
+            <a:fillRect/>
+          </a:stretch>
+        </p:blipFill>
+        <p:spPr>
+          <a:xfrm>
+            <a:off x="0" y="0"/>
+            <a:ext cx="12192000" cy="6858000"/>
+          </a:xfrm>
+          <a:prstGeom prst="rect">
+            <a:avLst/>
+          </a:prstGeom>
+        </p:spPr>
+      </p:pic>
+    </p:spTree>
+    <p:extLst>
+      <p:ext uri="{BB962C8B-B14F-4D97-AF65-F5344CB8AC3E}">
+        <p14:creationId xmlns:p14="http://schemas.microsoft.com/office/powerpoint/2010/main" val="2906999491"/>
+      </p:ext>
+    </p:extLst>
+  </p:cSld>
+  <p:clrMapOvr>
+    <a:masterClrMapping/>
+  </p:clrMapOvr>
+</p:sld>
+</file>
+
+<file path=ppt/slides/slide7.xml><?xml version="1.0" encoding="utf-8"?>
+<p:sld xmlns:a="http://schemas.openxmlformats.org/drawingml/2006/main" xmlns:r="http://schemas.openxmlformats.org/officeDocument/2006/relationships" xmlns:p="http://schemas.openxmlformats.org/presentationml/2006/main">
+  <p:cSld>
+    <p:spTree>
+      <p:nvGrpSpPr>
+        <p:cNvPr id="1" name=""/>
+        <p:cNvGrpSpPr/>
+        <p:nvPr/>
+      </p:nvGrpSpPr>
+      <p:grpSpPr>
+        <a:xfrm>
+          <a:off x="0" y="0"/>
+          <a:ext cx="0" cy="0"/>
+          <a:chOff x="0" y="0"/>
+          <a:chExt cx="0" cy="0"/>
+        </a:xfrm>
+      </p:grpSpPr>
       <p:sp>
         <p:nvSpPr>
           <p:cNvPr id="2" name="TextBox 1">
@@ -4659,7 +4987,7 @@
         <p:spPr>
           <a:xfrm>
             <a:off x="187871" y="233082"/>
-            <a:ext cx="1163908" cy="584775"/>
+            <a:ext cx="4360296" cy="584775"/>
           </a:xfrm>
           <a:prstGeom prst="rect">
             <a:avLst/>
@@ -4682,7 +5010,7 @@
                   </a:outerShdw>
                 </a:effectLst>
               </a:rPr>
-              <a:t>META</a:t>
+              <a:t>META data management</a:t>
             </a:r>
           </a:p>
         </p:txBody>
@@ -4717,7 +5045,7 @@
           <a:p>
             <a:r>
               <a:rPr lang="en-US" dirty="0"/>
-              <a:t>Include:</a:t>
+              <a:t>Including:</a:t>
             </a:r>
           </a:p>
           <a:p>
@@ -4837,6 +5165,133 @@
     <a:masterClrMapping/>
   </p:clrMapOvr>
 </p:sld>
+</file>
+
+<file path=ppt/slides/slide8.xml><?xml version="1.0" encoding="utf-8"?>
+<p:sld xmlns:a="http://schemas.openxmlformats.org/drawingml/2006/main" xmlns:r="http://schemas.openxmlformats.org/officeDocument/2006/relationships" xmlns:p="http://schemas.openxmlformats.org/presentationml/2006/main">
+  <p:cSld>
+    <p:spTree>
+      <p:nvGrpSpPr>
+        <p:cNvPr id="1" name=""/>
+        <p:cNvGrpSpPr/>
+        <p:nvPr/>
+      </p:nvGrpSpPr>
+      <p:grpSpPr>
+        <a:xfrm>
+          <a:off x="0" y="0"/>
+          <a:ext cx="0" cy="0"/>
+          <a:chOff x="0" y="0"/>
+          <a:chExt cx="0" cy="0"/>
+        </a:xfrm>
+      </p:grpSpPr>
+      <p:sp>
+        <p:nvSpPr>
+          <p:cNvPr id="2" name="Title 1">
+            <a:extLst>
+              <a:ext uri="{FF2B5EF4-FFF2-40B4-BE49-F238E27FC236}">
+                <a16:creationId xmlns:a16="http://schemas.microsoft.com/office/drawing/2014/main" id="{6EEA6A82-AA78-4AE8-9D74-D20519FFEC84}"/>
+              </a:ext>
+            </a:extLst>
+          </p:cNvPr>
+          <p:cNvSpPr>
+            <a:spLocks noGrp="1"/>
+          </p:cNvSpPr>
+          <p:nvPr>
+            <p:ph type="title"/>
+          </p:nvPr>
+        </p:nvSpPr>
+        <p:spPr/>
+        <p:txBody>
+          <a:bodyPr/>
+          <a:lstStyle/>
+          <a:p>
+            <a:r>
+              <a:rPr lang="en-US" dirty="0"/>
+              <a:t>Next</a:t>
+            </a:r>
+          </a:p>
+        </p:txBody>
+      </p:sp>
+      <p:sp>
+        <p:nvSpPr>
+          <p:cNvPr id="3" name="Content Placeholder 2">
+            <a:extLst>
+              <a:ext uri="{FF2B5EF4-FFF2-40B4-BE49-F238E27FC236}">
+                <a16:creationId xmlns:a16="http://schemas.microsoft.com/office/drawing/2014/main" id="{AD3FA246-A3A0-409B-907F-23B2804320A8}"/>
+              </a:ext>
+            </a:extLst>
+          </p:cNvPr>
+          <p:cNvSpPr>
+            <a:spLocks noGrp="1"/>
+          </p:cNvSpPr>
+          <p:nvPr>
+            <p:ph idx="1"/>
+          </p:nvPr>
+        </p:nvSpPr>
+        <p:spPr/>
+        <p:txBody>
+          <a:bodyPr/>
+          <a:lstStyle/>
+          <a:p>
+            <a:r>
+              <a:rPr lang="en-US" dirty="0"/>
+              <a:t>Define HUB and SAT tables with META data approach.</a:t>
+            </a:r>
+          </a:p>
+        </p:txBody>
+      </p:sp>
+      <p:sp>
+        <p:nvSpPr>
+          <p:cNvPr id="4" name="TextBox 3">
+            <a:extLst>
+              <a:ext uri="{FF2B5EF4-FFF2-40B4-BE49-F238E27FC236}">
+                <a16:creationId xmlns:a16="http://schemas.microsoft.com/office/drawing/2014/main" id="{61743A8D-4BBF-4B9B-88FB-BC824339A0F1}"/>
+              </a:ext>
+            </a:extLst>
+          </p:cNvPr>
+          <p:cNvSpPr txBox="1"/>
+          <p:nvPr/>
+        </p:nvSpPr>
+        <p:spPr>
+          <a:xfrm>
+            <a:off x="1595922" y="5846544"/>
+            <a:ext cx="9000156" cy="646331"/>
+          </a:xfrm>
+          <a:prstGeom prst="rect">
+            <a:avLst/>
+          </a:prstGeom>
+          <a:noFill/>
+        </p:spPr>
+        <p:txBody>
+          <a:bodyPr wrap="none" rtlCol="0">
+            <a:spAutoFit/>
+          </a:bodyPr>
+          <a:lstStyle/>
+          <a:p>
+            <a:r>
+              <a:rPr lang="en-US" sz="3600" dirty="0"/>
+              <a:t>https://github.com/microsoftbi/PSA-Generator</a:t>
+            </a:r>
+          </a:p>
+        </p:txBody>
+      </p:sp>
+    </p:spTree>
+    <p:extLst>
+      <p:ext uri="{BB962C8B-B14F-4D97-AF65-F5344CB8AC3E}">
+        <p14:creationId xmlns:p14="http://schemas.microsoft.com/office/powerpoint/2010/main" val="2464823756"/>
+      </p:ext>
+    </p:extLst>
+  </p:cSld>
+  <p:clrMapOvr>
+    <a:masterClrMapping/>
+  </p:clrMapOvr>
+</p:sld>
+</file>
+
+<file path=ppt/tags/tag1.xml><?xml version="1.0" encoding="utf-8"?>
+<p:tagLst xmlns:a="http://schemas.openxmlformats.org/drawingml/2006/main" xmlns:r="http://schemas.openxmlformats.org/officeDocument/2006/relationships" xmlns:p="http://schemas.openxmlformats.org/presentationml/2006/main">
+  <p:tag name="THINKCELLSHAPEDONOTDELETE" val="thinkcellActiveDocDoNotDelete"/>
+</p:tagLst>
 </file>
 
 <file path=ppt/theme/theme1.xml><?xml version="1.0" encoding="utf-8"?>

--- a/DOCS/Intro.pptx
+++ b/DOCS/Intro.pptx
@@ -3805,7 +3805,7 @@
           <a:graphicData uri="http://schemas.openxmlformats.org/presentationml/2006/ole">
             <mc:AlternateContent xmlns:mc="http://schemas.openxmlformats.org/markup-compatibility/2006">
               <mc:Choice xmlns:v="urn:schemas-microsoft-com:vml" Requires="v">
-                <p:oleObj spid="_x0000_s1029" name="think-cell Slide" r:id="rId4" imgW="473" imgH="473" progId="TCLayout.ActiveDocument.1">
+                <p:oleObj spid="_x0000_s1031" name="think-cell Slide" r:id="rId4" imgW="473" imgH="473" progId="TCLayout.ActiveDocument.1">
                   <p:embed/>
                 </p:oleObj>
               </mc:Choice>

--- a/DOCS/Intro.pptx
+++ b/DOCS/Intro.pptx
@@ -278,7 +278,7 @@
           <a:p>
             <a:fld id="{EF6EAEBE-D73E-42DB-BEEC-0E1D1642DD0E}" type="datetimeFigureOut">
               <a:rPr lang="en-US" smtClean="0"/>
-              <a:t>11/18/2019</a:t>
+              <a:t>11/19/2019</a:t>
             </a:fld>
             <a:endParaRPr lang="en-US"/>
           </a:p>
@@ -476,7 +476,7 @@
           <a:p>
             <a:fld id="{EF6EAEBE-D73E-42DB-BEEC-0E1D1642DD0E}" type="datetimeFigureOut">
               <a:rPr lang="en-US" smtClean="0"/>
-              <a:t>11/18/2019</a:t>
+              <a:t>11/19/2019</a:t>
             </a:fld>
             <a:endParaRPr lang="en-US"/>
           </a:p>
@@ -684,7 +684,7 @@
           <a:p>
             <a:fld id="{EF6EAEBE-D73E-42DB-BEEC-0E1D1642DD0E}" type="datetimeFigureOut">
               <a:rPr lang="en-US" smtClean="0"/>
-              <a:t>11/18/2019</a:t>
+              <a:t>11/19/2019</a:t>
             </a:fld>
             <a:endParaRPr lang="en-US"/>
           </a:p>
@@ -882,7 +882,7 @@
           <a:p>
             <a:fld id="{EF6EAEBE-D73E-42DB-BEEC-0E1D1642DD0E}" type="datetimeFigureOut">
               <a:rPr lang="en-US" smtClean="0"/>
-              <a:t>11/18/2019</a:t>
+              <a:t>11/19/2019</a:t>
             </a:fld>
             <a:endParaRPr lang="en-US"/>
           </a:p>
@@ -1157,7 +1157,7 @@
           <a:p>
             <a:fld id="{EF6EAEBE-D73E-42DB-BEEC-0E1D1642DD0E}" type="datetimeFigureOut">
               <a:rPr lang="en-US" smtClean="0"/>
-              <a:t>11/18/2019</a:t>
+              <a:t>11/19/2019</a:t>
             </a:fld>
             <a:endParaRPr lang="en-US"/>
           </a:p>
@@ -1422,7 +1422,7 @@
           <a:p>
             <a:fld id="{EF6EAEBE-D73E-42DB-BEEC-0E1D1642DD0E}" type="datetimeFigureOut">
               <a:rPr lang="en-US" smtClean="0"/>
-              <a:t>11/18/2019</a:t>
+              <a:t>11/19/2019</a:t>
             </a:fld>
             <a:endParaRPr lang="en-US"/>
           </a:p>
@@ -1834,7 +1834,7 @@
           <a:p>
             <a:fld id="{EF6EAEBE-D73E-42DB-BEEC-0E1D1642DD0E}" type="datetimeFigureOut">
               <a:rPr lang="en-US" smtClean="0"/>
-              <a:t>11/18/2019</a:t>
+              <a:t>11/19/2019</a:t>
             </a:fld>
             <a:endParaRPr lang="en-US"/>
           </a:p>
@@ -1975,7 +1975,7 @@
           <a:p>
             <a:fld id="{EF6EAEBE-D73E-42DB-BEEC-0E1D1642DD0E}" type="datetimeFigureOut">
               <a:rPr lang="en-US" smtClean="0"/>
-              <a:t>11/18/2019</a:t>
+              <a:t>11/19/2019</a:t>
             </a:fld>
             <a:endParaRPr lang="en-US"/>
           </a:p>
@@ -2088,7 +2088,7 @@
           <a:p>
             <a:fld id="{EF6EAEBE-D73E-42DB-BEEC-0E1D1642DD0E}" type="datetimeFigureOut">
               <a:rPr lang="en-US" smtClean="0"/>
-              <a:t>11/18/2019</a:t>
+              <a:t>11/19/2019</a:t>
             </a:fld>
             <a:endParaRPr lang="en-US"/>
           </a:p>
@@ -2399,7 +2399,7 @@
           <a:p>
             <a:fld id="{EF6EAEBE-D73E-42DB-BEEC-0E1D1642DD0E}" type="datetimeFigureOut">
               <a:rPr lang="en-US" smtClean="0"/>
-              <a:t>11/18/2019</a:t>
+              <a:t>11/19/2019</a:t>
             </a:fld>
             <a:endParaRPr lang="en-US"/>
           </a:p>
@@ -2687,7 +2687,7 @@
           <a:p>
             <a:fld id="{EF6EAEBE-D73E-42DB-BEEC-0E1D1642DD0E}" type="datetimeFigureOut">
               <a:rPr lang="en-US" smtClean="0"/>
-              <a:t>11/18/2019</a:t>
+              <a:t>11/19/2019</a:t>
             </a:fld>
             <a:endParaRPr lang="en-US"/>
           </a:p>
@@ -2928,7 +2928,7 @@
           <a:p>
             <a:fld id="{EF6EAEBE-D73E-42DB-BEEC-0E1D1642DD0E}" type="datetimeFigureOut">
               <a:rPr lang="en-US" smtClean="0"/>
-              <a:t>11/18/2019</a:t>
+              <a:t>11/19/2019</a:t>
             </a:fld>
             <a:endParaRPr lang="en-US"/>
           </a:p>
@@ -3359,12 +3359,550 @@
         </p:nvSpPr>
         <p:spPr>
           <a:xfrm>
-            <a:off x="3971366" y="1255058"/>
-            <a:ext cx="3424516" cy="4061012"/>
+            <a:off x="3523129" y="1255058"/>
+            <a:ext cx="3872753" cy="4061012"/>
           </a:xfrm>
           <a:prstGeom prst="rect">
             <a:avLst/>
           </a:prstGeom>
+        </p:spPr>
+        <p:style>
+          <a:lnRef idx="1">
+            <a:schemeClr val="accent5"/>
+          </a:lnRef>
+          <a:fillRef idx="2">
+            <a:schemeClr val="accent5"/>
+          </a:fillRef>
+          <a:effectRef idx="1">
+            <a:schemeClr val="accent5"/>
+          </a:effectRef>
+          <a:fontRef idx="minor">
+            <a:schemeClr val="dk1"/>
+          </a:fontRef>
+        </p:style>
+        <p:txBody>
+          <a:bodyPr vert="vert270" rtlCol="0" anchor="t"/>
+          <a:lstStyle/>
+          <a:p>
+            <a:pPr algn="ctr"/>
+            <a:r>
+              <a:rPr lang="en-US" dirty="0"/>
+              <a:t>DWH</a:t>
+            </a:r>
+          </a:p>
+        </p:txBody>
+      </p:sp>
+      <p:sp>
+        <p:nvSpPr>
+          <p:cNvPr id="7" name="Arrow: Up 6">
+            <a:extLst>
+              <a:ext uri="{FF2B5EF4-FFF2-40B4-BE49-F238E27FC236}">
+                <a16:creationId xmlns:a16="http://schemas.microsoft.com/office/drawing/2014/main" id="{51E0E785-BAD1-4289-91E6-825C872DC9F1}"/>
+              </a:ext>
+            </a:extLst>
+          </p:cNvPr>
+          <p:cNvSpPr/>
+          <p:nvPr/>
+        </p:nvSpPr>
+        <p:spPr>
+          <a:xfrm>
+            <a:off x="4719914" y="98612"/>
+            <a:ext cx="1604682" cy="6562163"/>
+          </a:xfrm>
+          <a:prstGeom prst="upArrow">
+            <a:avLst/>
+          </a:prstGeom>
+        </p:spPr>
+        <p:style>
+          <a:lnRef idx="1">
+            <a:schemeClr val="accent1"/>
+          </a:lnRef>
+          <a:fillRef idx="2">
+            <a:schemeClr val="accent1"/>
+          </a:fillRef>
+          <a:effectRef idx="1">
+            <a:schemeClr val="accent1"/>
+          </a:effectRef>
+          <a:fontRef idx="minor">
+            <a:schemeClr val="dk1"/>
+          </a:fontRef>
+        </p:style>
+        <p:txBody>
+          <a:bodyPr rtlCol="0" anchor="ctr"/>
+          <a:lstStyle/>
+          <a:p>
+            <a:pPr algn="ctr"/>
+            <a:endParaRPr lang="en-US"/>
+          </a:p>
+        </p:txBody>
+      </p:sp>
+      <p:sp>
+        <p:nvSpPr>
+          <p:cNvPr id="2" name="Flowchart: Magnetic Disk 1">
+            <a:extLst>
+              <a:ext uri="{FF2B5EF4-FFF2-40B4-BE49-F238E27FC236}">
+                <a16:creationId xmlns:a16="http://schemas.microsoft.com/office/drawing/2014/main" id="{4AE1817F-F1E1-4DD7-ADEF-397A5374836B}"/>
+              </a:ext>
+            </a:extLst>
+          </p:cNvPr>
+          <p:cNvSpPr/>
+          <p:nvPr/>
+        </p:nvSpPr>
+        <p:spPr>
+          <a:xfrm>
+            <a:off x="4482349" y="1524000"/>
+            <a:ext cx="2079812" cy="869577"/>
+          </a:xfrm>
+          <a:prstGeom prst="flowChartMagneticDisk">
+            <a:avLst/>
+          </a:prstGeom>
+        </p:spPr>
+        <p:style>
+          <a:lnRef idx="3">
+            <a:schemeClr val="lt1"/>
+          </a:lnRef>
+          <a:fillRef idx="1">
+            <a:schemeClr val="accent2"/>
+          </a:fillRef>
+          <a:effectRef idx="1">
+            <a:schemeClr val="accent2"/>
+          </a:effectRef>
+          <a:fontRef idx="minor">
+            <a:schemeClr val="lt1"/>
+          </a:fontRef>
+        </p:style>
+        <p:txBody>
+          <a:bodyPr rtlCol="0" anchor="ctr"/>
+          <a:lstStyle/>
+          <a:p>
+            <a:pPr algn="ctr"/>
+            <a:r>
+              <a:rPr lang="en-US" dirty="0"/>
+              <a:t>Mart</a:t>
+            </a:r>
+          </a:p>
+        </p:txBody>
+      </p:sp>
+      <p:sp>
+        <p:nvSpPr>
+          <p:cNvPr id="3" name="Flowchart: Magnetic Disk 2">
+            <a:extLst>
+              <a:ext uri="{FF2B5EF4-FFF2-40B4-BE49-F238E27FC236}">
+                <a16:creationId xmlns:a16="http://schemas.microsoft.com/office/drawing/2014/main" id="{4AC1B8D9-384F-4115-AE4C-3744FEAC8389}"/>
+              </a:ext>
+            </a:extLst>
+          </p:cNvPr>
+          <p:cNvSpPr/>
+          <p:nvPr/>
+        </p:nvSpPr>
+        <p:spPr>
+          <a:xfrm>
+            <a:off x="4482349" y="2814918"/>
+            <a:ext cx="2079812" cy="869577"/>
+          </a:xfrm>
+          <a:prstGeom prst="flowChartMagneticDisk">
+            <a:avLst/>
+          </a:prstGeom>
+        </p:spPr>
+        <p:style>
+          <a:lnRef idx="3">
+            <a:schemeClr val="lt1"/>
+          </a:lnRef>
+          <a:fillRef idx="1">
+            <a:schemeClr val="accent2"/>
+          </a:fillRef>
+          <a:effectRef idx="1">
+            <a:schemeClr val="accent2"/>
+          </a:effectRef>
+          <a:fontRef idx="minor">
+            <a:schemeClr val="lt1"/>
+          </a:fontRef>
+        </p:style>
+        <p:txBody>
+          <a:bodyPr rtlCol="0" anchor="ctr"/>
+          <a:lstStyle/>
+          <a:p>
+            <a:pPr algn="ctr"/>
+            <a:r>
+              <a:rPr lang="en-US" dirty="0"/>
+              <a:t>Core</a:t>
+            </a:r>
+          </a:p>
+        </p:txBody>
+      </p:sp>
+      <p:sp>
+        <p:nvSpPr>
+          <p:cNvPr id="4" name="Flowchart: Magnetic Disk 3">
+            <a:extLst>
+              <a:ext uri="{FF2B5EF4-FFF2-40B4-BE49-F238E27FC236}">
+                <a16:creationId xmlns:a16="http://schemas.microsoft.com/office/drawing/2014/main" id="{6EC357EB-9480-4F09-B584-D0AC3BEB966E}"/>
+              </a:ext>
+            </a:extLst>
+          </p:cNvPr>
+          <p:cNvSpPr/>
+          <p:nvPr/>
+        </p:nvSpPr>
+        <p:spPr>
+          <a:xfrm>
+            <a:off x="4482349" y="4074460"/>
+            <a:ext cx="2079812" cy="869577"/>
+          </a:xfrm>
+          <a:prstGeom prst="flowChartMagneticDisk">
+            <a:avLst/>
+          </a:prstGeom>
+        </p:spPr>
+        <p:style>
+          <a:lnRef idx="3">
+            <a:schemeClr val="lt1"/>
+          </a:lnRef>
+          <a:fillRef idx="1">
+            <a:schemeClr val="accent2"/>
+          </a:fillRef>
+          <a:effectRef idx="1">
+            <a:schemeClr val="accent2"/>
+          </a:effectRef>
+          <a:fontRef idx="minor">
+            <a:schemeClr val="lt1"/>
+          </a:fontRef>
+        </p:style>
+        <p:txBody>
+          <a:bodyPr rtlCol="0" anchor="ctr"/>
+          <a:lstStyle/>
+          <a:p>
+            <a:pPr algn="ctr"/>
+            <a:r>
+              <a:rPr lang="en-US" dirty="0"/>
+              <a:t>Stage</a:t>
+            </a:r>
+          </a:p>
+        </p:txBody>
+      </p:sp>
+      <p:sp>
+        <p:nvSpPr>
+          <p:cNvPr id="5" name="Rectangle 4">
+            <a:extLst>
+              <a:ext uri="{FF2B5EF4-FFF2-40B4-BE49-F238E27FC236}">
+                <a16:creationId xmlns:a16="http://schemas.microsoft.com/office/drawing/2014/main" id="{7C8751CD-07CD-45EF-8694-051006473B69}"/>
+              </a:ext>
+            </a:extLst>
+          </p:cNvPr>
+          <p:cNvSpPr/>
+          <p:nvPr/>
+        </p:nvSpPr>
+        <p:spPr>
+          <a:xfrm>
+            <a:off x="3523129" y="412377"/>
+            <a:ext cx="3872754" cy="600635"/>
+          </a:xfrm>
+          <a:prstGeom prst="rect">
+            <a:avLst/>
+          </a:prstGeom>
+        </p:spPr>
+        <p:style>
+          <a:lnRef idx="3">
+            <a:schemeClr val="lt1"/>
+          </a:lnRef>
+          <a:fillRef idx="1">
+            <a:schemeClr val="accent6"/>
+          </a:fillRef>
+          <a:effectRef idx="1">
+            <a:schemeClr val="accent6"/>
+          </a:effectRef>
+          <a:fontRef idx="minor">
+            <a:schemeClr val="lt1"/>
+          </a:fontRef>
+        </p:style>
+        <p:txBody>
+          <a:bodyPr rtlCol="0" anchor="ctr"/>
+          <a:lstStyle/>
+          <a:p>
+            <a:pPr algn="ctr"/>
+            <a:r>
+              <a:rPr lang="en-US" dirty="0"/>
+              <a:t>Reporting</a:t>
+            </a:r>
+          </a:p>
+        </p:txBody>
+      </p:sp>
+      <p:sp>
+        <p:nvSpPr>
+          <p:cNvPr id="6" name="Rectangle 5">
+            <a:extLst>
+              <a:ext uri="{FF2B5EF4-FFF2-40B4-BE49-F238E27FC236}">
+                <a16:creationId xmlns:a16="http://schemas.microsoft.com/office/drawing/2014/main" id="{EB11234C-D9F8-436F-86C4-B6626A8B5145}"/>
+              </a:ext>
+            </a:extLst>
+          </p:cNvPr>
+          <p:cNvSpPr/>
+          <p:nvPr/>
+        </p:nvSpPr>
+        <p:spPr>
+          <a:xfrm>
+            <a:off x="3523129" y="5567083"/>
+            <a:ext cx="3872753" cy="600635"/>
+          </a:xfrm>
+          <a:prstGeom prst="rect">
+            <a:avLst/>
+          </a:prstGeom>
+        </p:spPr>
+        <p:style>
+          <a:lnRef idx="0">
+            <a:schemeClr val="accent5"/>
+          </a:lnRef>
+          <a:fillRef idx="3">
+            <a:schemeClr val="accent5"/>
+          </a:fillRef>
+          <a:effectRef idx="3">
+            <a:schemeClr val="accent5"/>
+          </a:effectRef>
+          <a:fontRef idx="minor">
+            <a:schemeClr val="lt1"/>
+          </a:fontRef>
+        </p:style>
+        <p:txBody>
+          <a:bodyPr rtlCol="0" anchor="ctr"/>
+          <a:lstStyle/>
+          <a:p>
+            <a:pPr algn="ctr"/>
+            <a:r>
+              <a:rPr lang="en-US" dirty="0"/>
+              <a:t>Sources</a:t>
+            </a:r>
+          </a:p>
+        </p:txBody>
+      </p:sp>
+      <p:sp>
+        <p:nvSpPr>
+          <p:cNvPr id="10" name="TextBox 9">
+            <a:extLst>
+              <a:ext uri="{FF2B5EF4-FFF2-40B4-BE49-F238E27FC236}">
+                <a16:creationId xmlns:a16="http://schemas.microsoft.com/office/drawing/2014/main" id="{98323E8C-1D16-480C-A897-D2DA6A8FBBE9}"/>
+              </a:ext>
+            </a:extLst>
+          </p:cNvPr>
+          <p:cNvSpPr txBox="1"/>
+          <p:nvPr/>
+        </p:nvSpPr>
+        <p:spPr>
+          <a:xfrm>
+            <a:off x="7592343" y="6445623"/>
+            <a:ext cx="4102405" cy="338554"/>
+          </a:xfrm>
+          <a:prstGeom prst="rect">
+            <a:avLst/>
+          </a:prstGeom>
+          <a:noFill/>
+        </p:spPr>
+        <p:txBody>
+          <a:bodyPr wrap="none" rtlCol="0">
+            <a:spAutoFit/>
+          </a:bodyPr>
+          <a:lstStyle/>
+          <a:p>
+            <a:r>
+              <a:rPr lang="en-US" sz="1600" dirty="0"/>
+              <a:t>https://github.com/microsoftbi/PSA-Generator</a:t>
+            </a:r>
+          </a:p>
+        </p:txBody>
+      </p:sp>
+      <p:sp>
+        <p:nvSpPr>
+          <p:cNvPr id="12" name="Rectangle 11">
+            <a:extLst>
+              <a:ext uri="{FF2B5EF4-FFF2-40B4-BE49-F238E27FC236}">
+                <a16:creationId xmlns:a16="http://schemas.microsoft.com/office/drawing/2014/main" id="{43A85AA4-3546-4188-B79F-C10DFC423859}"/>
+              </a:ext>
+            </a:extLst>
+          </p:cNvPr>
+          <p:cNvSpPr/>
+          <p:nvPr/>
+        </p:nvSpPr>
+        <p:spPr>
+          <a:xfrm>
+            <a:off x="2855258" y="1255058"/>
+            <a:ext cx="582708" cy="4061012"/>
+          </a:xfrm>
+          <a:prstGeom prst="rect">
+            <a:avLst/>
+          </a:prstGeom>
+        </p:spPr>
+        <p:style>
+          <a:lnRef idx="3">
+            <a:schemeClr val="lt1"/>
+          </a:lnRef>
+          <a:fillRef idx="1">
+            <a:schemeClr val="accent5"/>
+          </a:fillRef>
+          <a:effectRef idx="1">
+            <a:schemeClr val="accent5"/>
+          </a:effectRef>
+          <a:fontRef idx="minor">
+            <a:schemeClr val="lt1"/>
+          </a:fontRef>
+        </p:style>
+        <p:txBody>
+          <a:bodyPr vert="vert270" rtlCol="0" anchor="t"/>
+          <a:lstStyle/>
+          <a:p>
+            <a:pPr algn="ctr"/>
+            <a:r>
+              <a:rPr lang="en-US" dirty="0"/>
+              <a:t>META</a:t>
+            </a:r>
+          </a:p>
+        </p:txBody>
+      </p:sp>
+      <p:sp>
+        <p:nvSpPr>
+          <p:cNvPr id="9" name="Right Brace 8">
+            <a:extLst>
+              <a:ext uri="{FF2B5EF4-FFF2-40B4-BE49-F238E27FC236}">
+                <a16:creationId xmlns:a16="http://schemas.microsoft.com/office/drawing/2014/main" id="{4790414A-BFC6-41C1-8554-C769B9A23F5B}"/>
+              </a:ext>
+            </a:extLst>
+          </p:cNvPr>
+          <p:cNvSpPr/>
+          <p:nvPr/>
+        </p:nvSpPr>
+        <p:spPr>
+          <a:xfrm>
+            <a:off x="7466705" y="3464859"/>
+            <a:ext cx="124698" cy="1479178"/>
+          </a:xfrm>
+          <a:prstGeom prst="rightBrace">
+            <a:avLst/>
+          </a:prstGeom>
+        </p:spPr>
+        <p:style>
+          <a:lnRef idx="3">
+            <a:schemeClr val="dk1"/>
+          </a:lnRef>
+          <a:fillRef idx="0">
+            <a:schemeClr val="dk1"/>
+          </a:fillRef>
+          <a:effectRef idx="2">
+            <a:schemeClr val="dk1"/>
+          </a:effectRef>
+          <a:fontRef idx="minor">
+            <a:schemeClr val="tx1"/>
+          </a:fontRef>
+        </p:style>
+        <p:txBody>
+          <a:bodyPr rtlCol="0" anchor="ctr"/>
+          <a:lstStyle/>
+          <a:p>
+            <a:pPr algn="ctr"/>
+            <a:endParaRPr lang="en-US"/>
+          </a:p>
+        </p:txBody>
+      </p:sp>
+      <p:sp>
+        <p:nvSpPr>
+          <p:cNvPr id="11" name="TextBox 10">
+            <a:extLst>
+              <a:ext uri="{FF2B5EF4-FFF2-40B4-BE49-F238E27FC236}">
+                <a16:creationId xmlns:a16="http://schemas.microsoft.com/office/drawing/2014/main" id="{F2C7238B-DEC4-48ED-BB0D-45728AD0097E}"/>
+              </a:ext>
+            </a:extLst>
+          </p:cNvPr>
+          <p:cNvSpPr txBox="1"/>
+          <p:nvPr/>
+        </p:nvSpPr>
+        <p:spPr>
+          <a:xfrm>
+            <a:off x="7834944" y="3407423"/>
+            <a:ext cx="3451201" cy="1569660"/>
+          </a:xfrm>
+          <a:prstGeom prst="rect">
+            <a:avLst/>
+          </a:prstGeom>
+          <a:noFill/>
+        </p:spPr>
+        <p:txBody>
+          <a:bodyPr wrap="none" rtlCol="0">
+            <a:spAutoFit/>
+          </a:bodyPr>
+          <a:lstStyle/>
+          <a:p>
+            <a:r>
+              <a:rPr lang="en-US" sz="1200" b="1" u="sng" dirty="0"/>
+              <a:t>Scope:</a:t>
+            </a:r>
+          </a:p>
+          <a:p>
+            <a:r>
+              <a:rPr lang="en-US" sz="1200" dirty="0"/>
+              <a:t>Generate PSA objects.(table view USP)</a:t>
+            </a:r>
+          </a:p>
+          <a:p>
+            <a:r>
+              <a:rPr lang="en-US" sz="1200" dirty="0"/>
+              <a:t>Generate SAT and HUB tables, also USP to load data.</a:t>
+            </a:r>
+          </a:p>
+          <a:p>
+            <a:r>
+              <a:rPr lang="en-US" sz="1200" dirty="0"/>
+              <a:t>Everything </a:t>
+            </a:r>
+            <a:r>
+              <a:rPr lang="en-US" sz="1200" dirty="0" err="1"/>
+              <a:t>configed</a:t>
+            </a:r>
+            <a:r>
+              <a:rPr lang="en-US" sz="1200" dirty="0"/>
+              <a:t> in meta table.</a:t>
+            </a:r>
+          </a:p>
+          <a:p>
+            <a:r>
+              <a:rPr lang="en-US" sz="1200" dirty="0"/>
+              <a:t>Write log.</a:t>
+            </a:r>
+          </a:p>
+          <a:p>
+            <a:endParaRPr lang="en-US" sz="1200" dirty="0"/>
+          </a:p>
+          <a:p>
+            <a:r>
+              <a:rPr lang="en-US" sz="1200" b="1" u="sng" dirty="0"/>
+              <a:t>Out of scope:</a:t>
+            </a:r>
+          </a:p>
+          <a:p>
+            <a:r>
+              <a:rPr lang="en-US" sz="1200" dirty="0"/>
+              <a:t>Data load to stage from source.</a:t>
+            </a:r>
+          </a:p>
+        </p:txBody>
+      </p:sp>
+      <p:sp>
+        <p:nvSpPr>
+          <p:cNvPr id="13" name="Rectangle 12">
+            <a:extLst>
+              <a:ext uri="{FF2B5EF4-FFF2-40B4-BE49-F238E27FC236}">
+                <a16:creationId xmlns:a16="http://schemas.microsoft.com/office/drawing/2014/main" id="{8F28F800-334C-4185-A880-8522F11AC8DF}"/>
+              </a:ext>
+            </a:extLst>
+          </p:cNvPr>
+          <p:cNvSpPr/>
+          <p:nvPr/>
+        </p:nvSpPr>
+        <p:spPr>
+          <a:xfrm>
+            <a:off x="3971366" y="3464859"/>
+            <a:ext cx="3320528" cy="1479177"/>
+          </a:xfrm>
+          <a:prstGeom prst="rect">
+            <a:avLst/>
+          </a:prstGeom>
+          <a:noFill/>
+          <a:ln w="28575">
+            <a:prstDash val="lgDash"/>
+          </a:ln>
         </p:spPr>
         <p:style>
           <a:lnRef idx="2">
@@ -3383,375 +3921,11 @@
           </a:fontRef>
         </p:style>
         <p:txBody>
-          <a:bodyPr vert="vert270" rtlCol="0" anchor="t"/>
-          <a:lstStyle/>
-          <a:p>
-            <a:pPr algn="ctr"/>
-            <a:r>
-              <a:rPr lang="en-US" dirty="0"/>
-              <a:t>DWH</a:t>
-            </a:r>
-          </a:p>
-        </p:txBody>
-      </p:sp>
-      <p:sp>
-        <p:nvSpPr>
-          <p:cNvPr id="7" name="Arrow: Up 6">
-            <a:extLst>
-              <a:ext uri="{FF2B5EF4-FFF2-40B4-BE49-F238E27FC236}">
-                <a16:creationId xmlns:a16="http://schemas.microsoft.com/office/drawing/2014/main" id="{51E0E785-BAD1-4289-91E6-825C872DC9F1}"/>
-              </a:ext>
-            </a:extLst>
-          </p:cNvPr>
-          <p:cNvSpPr/>
-          <p:nvPr/>
-        </p:nvSpPr>
-        <p:spPr>
-          <a:xfrm>
-            <a:off x="4818529" y="313765"/>
-            <a:ext cx="1604682" cy="6131858"/>
-          </a:xfrm>
-          <a:prstGeom prst="upArrow">
-            <a:avLst/>
-          </a:prstGeom>
-        </p:spPr>
-        <p:style>
-          <a:lnRef idx="1">
-            <a:schemeClr val="accent1"/>
-          </a:lnRef>
-          <a:fillRef idx="2">
-            <a:schemeClr val="accent1"/>
-          </a:fillRef>
-          <a:effectRef idx="1">
-            <a:schemeClr val="accent1"/>
-          </a:effectRef>
-          <a:fontRef idx="minor">
-            <a:schemeClr val="dk1"/>
-          </a:fontRef>
-        </p:style>
-        <p:txBody>
           <a:bodyPr rtlCol="0" anchor="ctr"/>
           <a:lstStyle/>
           <a:p>
             <a:pPr algn="ctr"/>
             <a:endParaRPr lang="en-US"/>
-          </a:p>
-        </p:txBody>
-      </p:sp>
-      <p:sp>
-        <p:nvSpPr>
-          <p:cNvPr id="2" name="Flowchart: Magnetic Disk 1">
-            <a:extLst>
-              <a:ext uri="{FF2B5EF4-FFF2-40B4-BE49-F238E27FC236}">
-                <a16:creationId xmlns:a16="http://schemas.microsoft.com/office/drawing/2014/main" id="{4AE1817F-F1E1-4DD7-ADEF-397A5374836B}"/>
-              </a:ext>
-            </a:extLst>
-          </p:cNvPr>
-          <p:cNvSpPr/>
-          <p:nvPr/>
-        </p:nvSpPr>
-        <p:spPr>
-          <a:xfrm>
-            <a:off x="4580964" y="1524000"/>
-            <a:ext cx="2079812" cy="869577"/>
-          </a:xfrm>
-          <a:prstGeom prst="flowChartMagneticDisk">
-            <a:avLst/>
-          </a:prstGeom>
-        </p:spPr>
-        <p:style>
-          <a:lnRef idx="3">
-            <a:schemeClr val="lt1"/>
-          </a:lnRef>
-          <a:fillRef idx="1">
-            <a:schemeClr val="accent2"/>
-          </a:fillRef>
-          <a:effectRef idx="1">
-            <a:schemeClr val="accent2"/>
-          </a:effectRef>
-          <a:fontRef idx="minor">
-            <a:schemeClr val="lt1"/>
-          </a:fontRef>
-        </p:style>
-        <p:txBody>
-          <a:bodyPr rtlCol="0" anchor="ctr"/>
-          <a:lstStyle/>
-          <a:p>
-            <a:pPr algn="ctr"/>
-            <a:r>
-              <a:rPr lang="en-US" dirty="0"/>
-              <a:t>Mart</a:t>
-            </a:r>
-          </a:p>
-        </p:txBody>
-      </p:sp>
-      <p:sp>
-        <p:nvSpPr>
-          <p:cNvPr id="3" name="Flowchart: Magnetic Disk 2">
-            <a:extLst>
-              <a:ext uri="{FF2B5EF4-FFF2-40B4-BE49-F238E27FC236}">
-                <a16:creationId xmlns:a16="http://schemas.microsoft.com/office/drawing/2014/main" id="{4AC1B8D9-384F-4115-AE4C-3744FEAC8389}"/>
-              </a:ext>
-            </a:extLst>
-          </p:cNvPr>
-          <p:cNvSpPr/>
-          <p:nvPr/>
-        </p:nvSpPr>
-        <p:spPr>
-          <a:xfrm>
-            <a:off x="4580964" y="2814918"/>
-            <a:ext cx="2079812" cy="869577"/>
-          </a:xfrm>
-          <a:prstGeom prst="flowChartMagneticDisk">
-            <a:avLst/>
-          </a:prstGeom>
-        </p:spPr>
-        <p:style>
-          <a:lnRef idx="3">
-            <a:schemeClr val="lt1"/>
-          </a:lnRef>
-          <a:fillRef idx="1">
-            <a:schemeClr val="accent2"/>
-          </a:fillRef>
-          <a:effectRef idx="1">
-            <a:schemeClr val="accent2"/>
-          </a:effectRef>
-          <a:fontRef idx="minor">
-            <a:schemeClr val="lt1"/>
-          </a:fontRef>
-        </p:style>
-        <p:txBody>
-          <a:bodyPr rtlCol="0" anchor="ctr"/>
-          <a:lstStyle/>
-          <a:p>
-            <a:pPr algn="ctr"/>
-            <a:r>
-              <a:rPr lang="en-US" dirty="0"/>
-              <a:t>Core</a:t>
-            </a:r>
-          </a:p>
-        </p:txBody>
-      </p:sp>
-      <p:sp>
-        <p:nvSpPr>
-          <p:cNvPr id="4" name="Flowchart: Magnetic Disk 3">
-            <a:extLst>
-              <a:ext uri="{FF2B5EF4-FFF2-40B4-BE49-F238E27FC236}">
-                <a16:creationId xmlns:a16="http://schemas.microsoft.com/office/drawing/2014/main" id="{6EC357EB-9480-4F09-B584-D0AC3BEB966E}"/>
-              </a:ext>
-            </a:extLst>
-          </p:cNvPr>
-          <p:cNvSpPr/>
-          <p:nvPr/>
-        </p:nvSpPr>
-        <p:spPr>
-          <a:xfrm>
-            <a:off x="4580964" y="4074460"/>
-            <a:ext cx="2079812" cy="869577"/>
-          </a:xfrm>
-          <a:prstGeom prst="flowChartMagneticDisk">
-            <a:avLst/>
-          </a:prstGeom>
-        </p:spPr>
-        <p:style>
-          <a:lnRef idx="3">
-            <a:schemeClr val="lt1"/>
-          </a:lnRef>
-          <a:fillRef idx="1">
-            <a:schemeClr val="accent2"/>
-          </a:fillRef>
-          <a:effectRef idx="1">
-            <a:schemeClr val="accent2"/>
-          </a:effectRef>
-          <a:fontRef idx="minor">
-            <a:schemeClr val="lt1"/>
-          </a:fontRef>
-        </p:style>
-        <p:txBody>
-          <a:bodyPr rtlCol="0" anchor="ctr"/>
-          <a:lstStyle/>
-          <a:p>
-            <a:pPr algn="ctr"/>
-            <a:r>
-              <a:rPr lang="en-US" dirty="0"/>
-              <a:t>Stage</a:t>
-            </a:r>
-          </a:p>
-        </p:txBody>
-      </p:sp>
-      <p:sp>
-        <p:nvSpPr>
-          <p:cNvPr id="5" name="Rectangle 4">
-            <a:extLst>
-              <a:ext uri="{FF2B5EF4-FFF2-40B4-BE49-F238E27FC236}">
-                <a16:creationId xmlns:a16="http://schemas.microsoft.com/office/drawing/2014/main" id="{7C8751CD-07CD-45EF-8694-051006473B69}"/>
-              </a:ext>
-            </a:extLst>
-          </p:cNvPr>
-          <p:cNvSpPr/>
-          <p:nvPr/>
-        </p:nvSpPr>
-        <p:spPr>
-          <a:xfrm>
-            <a:off x="3971365" y="412377"/>
-            <a:ext cx="3424517" cy="600635"/>
-          </a:xfrm>
-          <a:prstGeom prst="rect">
-            <a:avLst/>
-          </a:prstGeom>
-        </p:spPr>
-        <p:style>
-          <a:lnRef idx="3">
-            <a:schemeClr val="lt1"/>
-          </a:lnRef>
-          <a:fillRef idx="1">
-            <a:schemeClr val="accent6"/>
-          </a:fillRef>
-          <a:effectRef idx="1">
-            <a:schemeClr val="accent6"/>
-          </a:effectRef>
-          <a:fontRef idx="minor">
-            <a:schemeClr val="lt1"/>
-          </a:fontRef>
-        </p:style>
-        <p:txBody>
-          <a:bodyPr rtlCol="0" anchor="ctr"/>
-          <a:lstStyle/>
-          <a:p>
-            <a:pPr algn="ctr"/>
-            <a:r>
-              <a:rPr lang="en-US" dirty="0"/>
-              <a:t>Reporting</a:t>
-            </a:r>
-          </a:p>
-        </p:txBody>
-      </p:sp>
-      <p:sp>
-        <p:nvSpPr>
-          <p:cNvPr id="6" name="Rectangle 5">
-            <a:extLst>
-              <a:ext uri="{FF2B5EF4-FFF2-40B4-BE49-F238E27FC236}">
-                <a16:creationId xmlns:a16="http://schemas.microsoft.com/office/drawing/2014/main" id="{EB11234C-D9F8-436F-86C4-B6626A8B5145}"/>
-              </a:ext>
-            </a:extLst>
-          </p:cNvPr>
-          <p:cNvSpPr/>
-          <p:nvPr/>
-        </p:nvSpPr>
-        <p:spPr>
-          <a:xfrm>
-            <a:off x="3971365" y="5567083"/>
-            <a:ext cx="3424517" cy="600635"/>
-          </a:xfrm>
-          <a:prstGeom prst="rect">
-            <a:avLst/>
-          </a:prstGeom>
-        </p:spPr>
-        <p:style>
-          <a:lnRef idx="0">
-            <a:schemeClr val="accent5"/>
-          </a:lnRef>
-          <a:fillRef idx="3">
-            <a:schemeClr val="accent5"/>
-          </a:fillRef>
-          <a:effectRef idx="3">
-            <a:schemeClr val="accent5"/>
-          </a:effectRef>
-          <a:fontRef idx="minor">
-            <a:schemeClr val="lt1"/>
-          </a:fontRef>
-        </p:style>
-        <p:txBody>
-          <a:bodyPr rtlCol="0" anchor="ctr"/>
-          <a:lstStyle/>
-          <a:p>
-            <a:pPr algn="ctr"/>
-            <a:r>
-              <a:rPr lang="en-US" dirty="0"/>
-              <a:t>Sources</a:t>
-            </a:r>
-          </a:p>
-        </p:txBody>
-      </p:sp>
-      <p:sp>
-        <p:nvSpPr>
-          <p:cNvPr id="10" name="TextBox 9">
-            <a:extLst>
-              <a:ext uri="{FF2B5EF4-FFF2-40B4-BE49-F238E27FC236}">
-                <a16:creationId xmlns:a16="http://schemas.microsoft.com/office/drawing/2014/main" id="{98323E8C-1D16-480C-A897-D2DA6A8FBBE9}"/>
-              </a:ext>
-            </a:extLst>
-          </p:cNvPr>
-          <p:cNvSpPr txBox="1"/>
-          <p:nvPr/>
-        </p:nvSpPr>
-        <p:spPr>
-          <a:xfrm>
-            <a:off x="7592343" y="6445623"/>
-            <a:ext cx="4102405" cy="338554"/>
-          </a:xfrm>
-          <a:prstGeom prst="rect">
-            <a:avLst/>
-          </a:prstGeom>
-          <a:noFill/>
-        </p:spPr>
-        <p:txBody>
-          <a:bodyPr wrap="none" rtlCol="0">
-            <a:spAutoFit/>
-          </a:bodyPr>
-          <a:lstStyle/>
-          <a:p>
-            <a:r>
-              <a:rPr lang="en-US" sz="1600" dirty="0"/>
-              <a:t>https://github.com/microsoftbi/PSA-Generator</a:t>
-            </a:r>
-          </a:p>
-        </p:txBody>
-      </p:sp>
-      <p:sp>
-        <p:nvSpPr>
-          <p:cNvPr id="12" name="Rectangle 11">
-            <a:extLst>
-              <a:ext uri="{FF2B5EF4-FFF2-40B4-BE49-F238E27FC236}">
-                <a16:creationId xmlns:a16="http://schemas.microsoft.com/office/drawing/2014/main" id="{43A85AA4-3546-4188-B79F-C10DFC423859}"/>
-              </a:ext>
-            </a:extLst>
-          </p:cNvPr>
-          <p:cNvSpPr/>
-          <p:nvPr/>
-        </p:nvSpPr>
-        <p:spPr>
-          <a:xfrm>
-            <a:off x="3193137" y="1255058"/>
-            <a:ext cx="582708" cy="4061012"/>
-          </a:xfrm>
-          <a:prstGeom prst="rect">
-            <a:avLst/>
-          </a:prstGeom>
-        </p:spPr>
-        <p:style>
-          <a:lnRef idx="3">
-            <a:schemeClr val="lt1"/>
-          </a:lnRef>
-          <a:fillRef idx="1">
-            <a:schemeClr val="accent5"/>
-          </a:fillRef>
-          <a:effectRef idx="1">
-            <a:schemeClr val="accent5"/>
-          </a:effectRef>
-          <a:fontRef idx="minor">
-            <a:schemeClr val="lt1"/>
-          </a:fontRef>
-        </p:style>
-        <p:txBody>
-          <a:bodyPr vert="vert270" rtlCol="0" anchor="t"/>
-          <a:lstStyle/>
-          <a:p>
-            <a:pPr algn="ctr"/>
-            <a:r>
-              <a:rPr lang="en-US" dirty="0"/>
-              <a:t>META</a:t>
-            </a:r>
           </a:p>
         </p:txBody>
       </p:sp>
@@ -3805,7 +3979,7 @@
           <a:graphicData uri="http://schemas.openxmlformats.org/presentationml/2006/ole">
             <mc:AlternateContent xmlns:mc="http://schemas.openxmlformats.org/markup-compatibility/2006">
               <mc:Choice xmlns:v="urn:schemas-microsoft-com:vml" Requires="v">
-                <p:oleObj spid="_x0000_s1031" name="think-cell Slide" r:id="rId4" imgW="473" imgH="473" progId="TCLayout.ActiveDocument.1">
+                <p:oleObj spid="_x0000_s1034" name="think-cell Slide" r:id="rId4" imgW="473" imgH="473" progId="TCLayout.ActiveDocument.1">
                   <p:embed/>
                 </p:oleObj>
               </mc:Choice>

--- a/DOCS/Intro.pptx
+++ b/DOCS/Intro.pptx
@@ -7,12 +7,10 @@
   <p:sldIdLst>
     <p:sldId id="258" r:id="rId2"/>
     <p:sldId id="264" r:id="rId3"/>
-    <p:sldId id="257" r:id="rId4"/>
-    <p:sldId id="261" r:id="rId5"/>
-    <p:sldId id="262" r:id="rId6"/>
-    <p:sldId id="263" r:id="rId7"/>
-    <p:sldId id="259" r:id="rId8"/>
-    <p:sldId id="260" r:id="rId9"/>
+    <p:sldId id="265" r:id="rId4"/>
+    <p:sldId id="257" r:id="rId5"/>
+    <p:sldId id="259" r:id="rId6"/>
+    <p:sldId id="260" r:id="rId7"/>
   </p:sldIdLst>
   <p:sldSz cx="12192000" cy="6858000"/>
   <p:notesSz cx="6858000" cy="9144000"/>
@@ -278,7 +276,7 @@
           <a:p>
             <a:fld id="{EF6EAEBE-D73E-42DB-BEEC-0E1D1642DD0E}" type="datetimeFigureOut">
               <a:rPr lang="en-US" smtClean="0"/>
-              <a:t>11/19/2019</a:t>
+              <a:t>11/28/2019</a:t>
             </a:fld>
             <a:endParaRPr lang="en-US"/>
           </a:p>
@@ -476,7 +474,7 @@
           <a:p>
             <a:fld id="{EF6EAEBE-D73E-42DB-BEEC-0E1D1642DD0E}" type="datetimeFigureOut">
               <a:rPr lang="en-US" smtClean="0"/>
-              <a:t>11/19/2019</a:t>
+              <a:t>11/28/2019</a:t>
             </a:fld>
             <a:endParaRPr lang="en-US"/>
           </a:p>
@@ -684,7 +682,7 @@
           <a:p>
             <a:fld id="{EF6EAEBE-D73E-42DB-BEEC-0E1D1642DD0E}" type="datetimeFigureOut">
               <a:rPr lang="en-US" smtClean="0"/>
-              <a:t>11/19/2019</a:t>
+              <a:t>11/28/2019</a:t>
             </a:fld>
             <a:endParaRPr lang="en-US"/>
           </a:p>
@@ -882,7 +880,7 @@
           <a:p>
             <a:fld id="{EF6EAEBE-D73E-42DB-BEEC-0E1D1642DD0E}" type="datetimeFigureOut">
               <a:rPr lang="en-US" smtClean="0"/>
-              <a:t>11/19/2019</a:t>
+              <a:t>11/28/2019</a:t>
             </a:fld>
             <a:endParaRPr lang="en-US"/>
           </a:p>
@@ -1157,7 +1155,7 @@
           <a:p>
             <a:fld id="{EF6EAEBE-D73E-42DB-BEEC-0E1D1642DD0E}" type="datetimeFigureOut">
               <a:rPr lang="en-US" smtClean="0"/>
-              <a:t>11/19/2019</a:t>
+              <a:t>11/28/2019</a:t>
             </a:fld>
             <a:endParaRPr lang="en-US"/>
           </a:p>
@@ -1422,7 +1420,7 @@
           <a:p>
             <a:fld id="{EF6EAEBE-D73E-42DB-BEEC-0E1D1642DD0E}" type="datetimeFigureOut">
               <a:rPr lang="en-US" smtClean="0"/>
-              <a:t>11/19/2019</a:t>
+              <a:t>11/28/2019</a:t>
             </a:fld>
             <a:endParaRPr lang="en-US"/>
           </a:p>
@@ -1834,7 +1832,7 @@
           <a:p>
             <a:fld id="{EF6EAEBE-D73E-42DB-BEEC-0E1D1642DD0E}" type="datetimeFigureOut">
               <a:rPr lang="en-US" smtClean="0"/>
-              <a:t>11/19/2019</a:t>
+              <a:t>11/28/2019</a:t>
             </a:fld>
             <a:endParaRPr lang="en-US"/>
           </a:p>
@@ -1975,7 +1973,7 @@
           <a:p>
             <a:fld id="{EF6EAEBE-D73E-42DB-BEEC-0E1D1642DD0E}" type="datetimeFigureOut">
               <a:rPr lang="en-US" smtClean="0"/>
-              <a:t>11/19/2019</a:t>
+              <a:t>11/28/2019</a:t>
             </a:fld>
             <a:endParaRPr lang="en-US"/>
           </a:p>
@@ -2088,7 +2086,7 @@
           <a:p>
             <a:fld id="{EF6EAEBE-D73E-42DB-BEEC-0E1D1642DD0E}" type="datetimeFigureOut">
               <a:rPr lang="en-US" smtClean="0"/>
-              <a:t>11/19/2019</a:t>
+              <a:t>11/28/2019</a:t>
             </a:fld>
             <a:endParaRPr lang="en-US"/>
           </a:p>
@@ -2399,7 +2397,7 @@
           <a:p>
             <a:fld id="{EF6EAEBE-D73E-42DB-BEEC-0E1D1642DD0E}" type="datetimeFigureOut">
               <a:rPr lang="en-US" smtClean="0"/>
-              <a:t>11/19/2019</a:t>
+              <a:t>11/28/2019</a:t>
             </a:fld>
             <a:endParaRPr lang="en-US"/>
           </a:p>
@@ -2687,7 +2685,7 @@
           <a:p>
             <a:fld id="{EF6EAEBE-D73E-42DB-BEEC-0E1D1642DD0E}" type="datetimeFigureOut">
               <a:rPr lang="en-US" smtClean="0"/>
-              <a:t>11/19/2019</a:t>
+              <a:t>11/28/2019</a:t>
             </a:fld>
             <a:endParaRPr lang="en-US"/>
           </a:p>
@@ -2928,7 +2926,7 @@
           <a:p>
             <a:fld id="{EF6EAEBE-D73E-42DB-BEEC-0E1D1642DD0E}" type="datetimeFigureOut">
               <a:rPr lang="en-US" smtClean="0"/>
-              <a:t>11/19/2019</a:t>
+              <a:t>11/28/2019</a:t>
             </a:fld>
             <a:endParaRPr lang="en-US"/>
           </a:p>
@@ -3359,8 +3357,8 @@
         </p:nvSpPr>
         <p:spPr>
           <a:xfrm>
-            <a:off x="3523129" y="1255058"/>
-            <a:ext cx="3872753" cy="4061012"/>
+            <a:off x="3523129" y="2080470"/>
+            <a:ext cx="3872753" cy="3755718"/>
           </a:xfrm>
           <a:prstGeom prst="rect">
             <a:avLst/>
@@ -3406,8 +3404,8 @@
         </p:nvSpPr>
         <p:spPr>
           <a:xfrm>
-            <a:off x="4719914" y="98612"/>
-            <a:ext cx="1604682" cy="6562163"/>
+            <a:off x="4719914" y="1021812"/>
+            <a:ext cx="1604682" cy="5638963"/>
           </a:xfrm>
           <a:prstGeom prst="upArrow">
             <a:avLst/>
@@ -3450,7 +3448,7 @@
         </p:nvSpPr>
         <p:spPr>
           <a:xfrm>
-            <a:off x="4482349" y="1524000"/>
+            <a:off x="4482349" y="2371289"/>
             <a:ext cx="2079812" cy="869577"/>
           </a:xfrm>
           <a:prstGeom prst="flowChartMagneticDisk">
@@ -3497,7 +3495,7 @@
         </p:nvSpPr>
         <p:spPr>
           <a:xfrm>
-            <a:off x="4482349" y="2814918"/>
+            <a:off x="4482349" y="3418926"/>
             <a:ext cx="2079812" cy="869577"/>
           </a:xfrm>
           <a:prstGeom prst="flowChartMagneticDisk">
@@ -3544,7 +3542,7 @@
         </p:nvSpPr>
         <p:spPr>
           <a:xfrm>
-            <a:off x="4482349" y="4074460"/>
+            <a:off x="4482349" y="4594578"/>
             <a:ext cx="2079812" cy="869577"/>
           </a:xfrm>
           <a:prstGeom prst="flowChartMagneticDisk">
@@ -3591,7 +3589,7 @@
         </p:nvSpPr>
         <p:spPr>
           <a:xfrm>
-            <a:off x="3523129" y="412377"/>
+            <a:off x="3523128" y="1352562"/>
             <a:ext cx="3872754" cy="600635"/>
           </a:xfrm>
           <a:prstGeom prst="rect">
@@ -3638,7 +3636,7 @@
         </p:nvSpPr>
         <p:spPr>
           <a:xfrm>
-            <a:off x="3523129" y="5567083"/>
+            <a:off x="3523129" y="5944588"/>
             <a:ext cx="3872753" cy="600635"/>
           </a:xfrm>
           <a:prstGeom prst="rect">
@@ -3720,8 +3718,8 @@
         </p:nvSpPr>
         <p:spPr>
           <a:xfrm>
-            <a:off x="2855258" y="1255058"/>
-            <a:ext cx="582708" cy="4061012"/>
+            <a:off x="2855258" y="2080468"/>
+            <a:ext cx="582708" cy="3755719"/>
           </a:xfrm>
           <a:prstGeom prst="rect">
             <a:avLst/>
@@ -3767,8 +3765,8 @@
         </p:nvSpPr>
         <p:spPr>
           <a:xfrm>
-            <a:off x="7466705" y="3464859"/>
-            <a:ext cx="124698" cy="1479178"/>
+            <a:off x="7466705" y="4077049"/>
+            <a:ext cx="125638" cy="1387105"/>
           </a:xfrm>
           <a:prstGeom prst="rightBrace">
             <a:avLst/>
@@ -3811,7 +3809,7 @@
         </p:nvSpPr>
         <p:spPr>
           <a:xfrm>
-            <a:off x="7834944" y="3407423"/>
+            <a:off x="7834944" y="3927541"/>
             <a:ext cx="3451201" cy="1569660"/>
           </a:xfrm>
           <a:prstGeom prst="rect">
@@ -3893,8 +3891,8 @@
         </p:nvSpPr>
         <p:spPr>
           <a:xfrm>
-            <a:off x="3971366" y="3464859"/>
-            <a:ext cx="3320528" cy="1479177"/>
+            <a:off x="3971366" y="4077050"/>
+            <a:ext cx="3320528" cy="1387104"/>
           </a:xfrm>
           <a:prstGeom prst="rect">
             <a:avLst/>
@@ -3926,6 +3924,66 @@
           <a:p>
             <a:pPr algn="ctr"/>
             <a:endParaRPr lang="en-US"/>
+          </a:p>
+        </p:txBody>
+      </p:sp>
+      <p:sp>
+        <p:nvSpPr>
+          <p:cNvPr id="14" name="Title 1">
+            <a:extLst>
+              <a:ext uri="{FF2B5EF4-FFF2-40B4-BE49-F238E27FC236}">
+                <a16:creationId xmlns:a16="http://schemas.microsoft.com/office/drawing/2014/main" id="{A8A03816-2B6E-4465-BAD6-DE09D911E15F}"/>
+              </a:ext>
+            </a:extLst>
+          </p:cNvPr>
+          <p:cNvSpPr txBox="1">
+            <a:spLocks/>
+          </p:cNvSpPr>
+          <p:nvPr/>
+        </p:nvSpPr>
+        <p:spPr>
+          <a:xfrm>
+            <a:off x="264455" y="192787"/>
+            <a:ext cx="10515600" cy="1325563"/>
+          </a:xfrm>
+          <a:prstGeom prst="rect">
+            <a:avLst/>
+          </a:prstGeom>
+        </p:spPr>
+        <p:txBody>
+          <a:bodyPr/>
+          <a:lstStyle>
+            <a:lvl1pPr algn="l" defTabSz="914400" rtl="0" eaLnBrk="1" latinLnBrk="0" hangingPunct="1">
+              <a:lnSpc>
+                <a:spcPct val="90000"/>
+              </a:lnSpc>
+              <a:spcBef>
+                <a:spcPct val="0"/>
+              </a:spcBef>
+              <a:buNone/>
+              <a:defRPr sz="4400" kern="1200">
+                <a:solidFill>
+                  <a:schemeClr val="tx1"/>
+                </a:solidFill>
+                <a:latin typeface="+mj-lt"/>
+                <a:ea typeface="+mj-ea"/>
+                <a:cs typeface="+mj-cs"/>
+              </a:defRPr>
+            </a:lvl1pPr>
+          </a:lstStyle>
+          <a:p>
+            <a:r>
+              <a:rPr lang="en-US" b="1" dirty="0">
+                <a:effectLst>
+                  <a:outerShdw blurRad="38100" dist="38100" dir="2700000" algn="tl">
+                    <a:srgbClr val="000000">
+                      <a:alpha val="43137"/>
+                    </a:srgbClr>
+                  </a:outerShdw>
+                </a:effectLst>
+              </a:rPr>
+              <a:t>DWH architecture</a:t>
+            </a:r>
           </a:p>
         </p:txBody>
       </p:sp>
@@ -3979,7 +4037,7 @@
           <a:graphicData uri="http://schemas.openxmlformats.org/presentationml/2006/ole">
             <mc:AlternateContent xmlns:mc="http://schemas.openxmlformats.org/markup-compatibility/2006">
               <mc:Choice xmlns:v="urn:schemas-microsoft-com:vml" Requires="v">
-                <p:oleObj spid="_x0000_s1034" name="think-cell Slide" r:id="rId4" imgW="473" imgH="473" progId="TCLayout.ActiveDocument.1">
+                <p:oleObj spid="_x0000_s1037" name="think-cell Slide" r:id="rId4" imgW="473" imgH="473" progId="TCLayout.ActiveDocument.1">
                   <p:embed/>
                 </p:oleObj>
               </mc:Choice>
@@ -4030,8 +4088,16 @@
           <a:lstStyle/>
           <a:p>
             <a:r>
-              <a:rPr lang="en-US" dirty="0"/>
-              <a:t>Difference</a:t>
+              <a:rPr lang="en-US" b="1" dirty="0">
+                <a:effectLst>
+                  <a:outerShdw blurRad="38100" dist="38100" dir="2700000" algn="tl">
+                    <a:srgbClr val="000000">
+                      <a:alpha val="43137"/>
+                    </a:srgbClr>
+                  </a:outerShdw>
+                </a:effectLst>
+              </a:rPr>
+              <a:t>PSA Type 1 and Type 2</a:t>
             </a:r>
           </a:p>
         </p:txBody>
@@ -4055,41 +4121,7 @@
           <a:p>
             <a:r>
               <a:rPr lang="en-US" dirty="0"/>
-              <a:t>Insert only DWH.</a:t>
-            </a:r>
-          </a:p>
-          <a:p>
-            <a:pPr lvl="1"/>
-            <a:r>
-              <a:rPr lang="en-US" dirty="0"/>
-              <a:t>Time stamp: LOAD_DTS</a:t>
-            </a:r>
-          </a:p>
-          <a:p>
-            <a:pPr lvl="1"/>
-            <a:r>
-              <a:rPr lang="en-US" dirty="0"/>
-              <a:t>Updated data from source, insert new one directly.</a:t>
-            </a:r>
-          </a:p>
-          <a:p>
-            <a:pPr lvl="1"/>
-            <a:r>
-              <a:rPr lang="en-US" dirty="0"/>
-              <a:t>Indicator will be added, I for insert, U for update and D for delete.</a:t>
-            </a:r>
-          </a:p>
-          <a:p>
-            <a:pPr lvl="1"/>
-            <a:r>
-              <a:rPr lang="en-US" dirty="0"/>
-              <a:t>Calculate period information by LOAD_DTS.</a:t>
-            </a:r>
-          </a:p>
-          <a:p>
-            <a:r>
-              <a:rPr lang="en-US" dirty="0"/>
-              <a:t>Updateable DWH.(Merge)</a:t>
+              <a:t>PSA Type 1: Updateable DWH.(Merge)</a:t>
             </a:r>
           </a:p>
           <a:p>
@@ -4143,6 +4175,44 @@
               <a:rPr lang="en-US" dirty="0"/>
               <a:t>Get period information directly.</a:t>
             </a:r>
+          </a:p>
+          <a:p>
+            <a:r>
+              <a:rPr lang="en-US" dirty="0"/>
+              <a:t>PSA Type 2: Insert only DWH.</a:t>
+            </a:r>
+          </a:p>
+          <a:p>
+            <a:pPr lvl="1"/>
+            <a:r>
+              <a:rPr lang="en-US" dirty="0"/>
+              <a:t>Time stamp: LOAD_DTS</a:t>
+            </a:r>
+          </a:p>
+          <a:p>
+            <a:pPr lvl="1"/>
+            <a:r>
+              <a:rPr lang="en-US" dirty="0"/>
+              <a:t>Updated data from source, insert new one directly.</a:t>
+            </a:r>
+          </a:p>
+          <a:p>
+            <a:pPr lvl="1"/>
+            <a:r>
+              <a:rPr lang="en-US" dirty="0"/>
+              <a:t>Indicator will be added, I for insert, U for update and D for delete.</a:t>
+            </a:r>
+          </a:p>
+          <a:p>
+            <a:pPr lvl="1"/>
+            <a:r>
+              <a:rPr lang="en-US" dirty="0"/>
+              <a:t>Calculate period information by LOAD_DTS.</a:t>
+            </a:r>
+          </a:p>
+          <a:p>
+            <a:pPr lvl="1"/>
+            <a:endParaRPr lang="en-US" dirty="0"/>
           </a:p>
         </p:txBody>
       </p:sp>
@@ -4160,6 +4230,119 @@
 </file>
 
 <file path=ppt/slides/slide3.xml><?xml version="1.0" encoding="utf-8"?>
+<p:sld xmlns:a="http://schemas.openxmlformats.org/drawingml/2006/main" xmlns:r="http://schemas.openxmlformats.org/officeDocument/2006/relationships" xmlns:p="http://schemas.openxmlformats.org/presentationml/2006/main">
+  <p:cSld>
+    <p:spTree>
+      <p:nvGrpSpPr>
+        <p:cNvPr id="1" name=""/>
+        <p:cNvGrpSpPr/>
+        <p:nvPr/>
+      </p:nvGrpSpPr>
+      <p:grpSpPr>
+        <a:xfrm>
+          <a:off x="0" y="0"/>
+          <a:ext cx="0" cy="0"/>
+          <a:chOff x="0" y="0"/>
+          <a:chExt cx="0" cy="0"/>
+        </a:xfrm>
+      </p:grpSpPr>
+      <p:sp>
+        <p:nvSpPr>
+          <p:cNvPr id="2" name="Title 1">
+            <a:extLst>
+              <a:ext uri="{FF2B5EF4-FFF2-40B4-BE49-F238E27FC236}">
+                <a16:creationId xmlns:a16="http://schemas.microsoft.com/office/drawing/2014/main" id="{C1E4AFD7-BA7E-4FBB-8F71-47A759409EEF}"/>
+              </a:ext>
+            </a:extLst>
+          </p:cNvPr>
+          <p:cNvSpPr>
+            <a:spLocks noGrp="1"/>
+          </p:cNvSpPr>
+          <p:nvPr>
+            <p:ph type="title"/>
+          </p:nvPr>
+        </p:nvSpPr>
+        <p:spPr/>
+        <p:txBody>
+          <a:bodyPr/>
+          <a:lstStyle/>
+          <a:p>
+            <a:r>
+              <a:rPr lang="en-US" dirty="0"/>
+              <a:t>How to build</a:t>
+            </a:r>
+          </a:p>
+        </p:txBody>
+      </p:sp>
+      <p:sp>
+        <p:nvSpPr>
+          <p:cNvPr id="3" name="Content Placeholder 2">
+            <a:extLst>
+              <a:ext uri="{FF2B5EF4-FFF2-40B4-BE49-F238E27FC236}">
+                <a16:creationId xmlns:a16="http://schemas.microsoft.com/office/drawing/2014/main" id="{275C50C1-B240-4F89-93AE-E2FB15ADCE97}"/>
+              </a:ext>
+            </a:extLst>
+          </p:cNvPr>
+          <p:cNvSpPr>
+            <a:spLocks noGrp="1"/>
+          </p:cNvSpPr>
+          <p:nvPr>
+            <p:ph idx="1"/>
+          </p:nvPr>
+        </p:nvSpPr>
+        <p:spPr/>
+        <p:txBody>
+          <a:bodyPr/>
+          <a:lstStyle/>
+          <a:p>
+            <a:r>
+              <a:rPr lang="en-US" dirty="0"/>
+              <a:t>Source table analysis</a:t>
+            </a:r>
+          </a:p>
+          <a:p>
+            <a:r>
+              <a:rPr lang="en-US" dirty="0"/>
+              <a:t>Import schema</a:t>
+            </a:r>
+          </a:p>
+          <a:p>
+            <a:r>
+              <a:rPr lang="en-US" dirty="0"/>
+              <a:t>Config meta</a:t>
+            </a:r>
+          </a:p>
+          <a:p>
+            <a:r>
+              <a:rPr lang="en-US" dirty="0"/>
+              <a:t>Generate object</a:t>
+            </a:r>
+          </a:p>
+          <a:p>
+            <a:r>
+              <a:rPr lang="en-US" dirty="0"/>
+              <a:t>Run data flow</a:t>
+            </a:r>
+          </a:p>
+          <a:p>
+            <a:endParaRPr lang="en-US" dirty="0"/>
+          </a:p>
+        </p:txBody>
+      </p:sp>
+    </p:spTree>
+    <p:extLst>
+      <p:ext uri="{BB962C8B-B14F-4D97-AF65-F5344CB8AC3E}">
+        <p14:creationId xmlns:p14="http://schemas.microsoft.com/office/powerpoint/2010/main" val="464094307"/>
+      </p:ext>
+    </p:extLst>
+  </p:cSld>
+  <p:clrMapOvr>
+    <a:masterClrMapping/>
+  </p:clrMapOvr>
+</p:sld>
+</file>
+
+<file path=ppt/slides/slide4.xml><?xml version="1.0" encoding="utf-8"?>
 <p:sld xmlns:a="http://schemas.openxmlformats.org/drawingml/2006/main" xmlns:r="http://schemas.openxmlformats.org/officeDocument/2006/relationships" xmlns:p="http://schemas.openxmlformats.org/presentationml/2006/main">
   <p:cSld>
     <p:spTree>
@@ -4949,66 +5132,6 @@
 </p:sld>
 </file>
 
-<file path=ppt/slides/slide4.xml><?xml version="1.0" encoding="utf-8"?>
-<p:sld xmlns:a="http://schemas.openxmlformats.org/drawingml/2006/main" xmlns:r="http://schemas.openxmlformats.org/officeDocument/2006/relationships" xmlns:p="http://schemas.openxmlformats.org/presentationml/2006/main">
-  <p:cSld>
-    <p:spTree>
-      <p:nvGrpSpPr>
-        <p:cNvPr id="1" name=""/>
-        <p:cNvGrpSpPr/>
-        <p:nvPr/>
-      </p:nvGrpSpPr>
-      <p:grpSpPr>
-        <a:xfrm>
-          <a:off x="0" y="0"/>
-          <a:ext cx="0" cy="0"/>
-          <a:chOff x="0" y="0"/>
-          <a:chExt cx="0" cy="0"/>
-        </a:xfrm>
-      </p:grpSpPr>
-      <p:pic>
-        <p:nvPicPr>
-          <p:cNvPr id="2" name="Picture 1">
-            <a:extLst>
-              <a:ext uri="{FF2B5EF4-FFF2-40B4-BE49-F238E27FC236}">
-                <a16:creationId xmlns:a16="http://schemas.microsoft.com/office/drawing/2014/main" id="{5FC34693-D55D-4A12-896E-7B2FE2177C8B}"/>
-              </a:ext>
-            </a:extLst>
-          </p:cNvPr>
-          <p:cNvPicPr>
-            <a:picLocks noChangeAspect="1"/>
-          </p:cNvPicPr>
-          <p:nvPr/>
-        </p:nvPicPr>
-        <p:blipFill>
-          <a:blip r:embed="rId2"/>
-          <a:stretch>
-            <a:fillRect/>
-          </a:stretch>
-        </p:blipFill>
-        <p:spPr>
-          <a:xfrm>
-            <a:off x="0" y="0"/>
-            <a:ext cx="12192000" cy="6858000"/>
-          </a:xfrm>
-          <a:prstGeom prst="rect">
-            <a:avLst/>
-          </a:prstGeom>
-        </p:spPr>
-      </p:pic>
-    </p:spTree>
-    <p:extLst>
-      <p:ext uri="{BB962C8B-B14F-4D97-AF65-F5344CB8AC3E}">
-        <p14:creationId xmlns:p14="http://schemas.microsoft.com/office/powerpoint/2010/main" val="3436858168"/>
-      </p:ext>
-    </p:extLst>
-  </p:cSld>
-  <p:clrMapOvr>
-    <a:masterClrMapping/>
-  </p:clrMapOvr>
-</p:sld>
-</file>
-
 <file path=ppt/slides/slide5.xml><?xml version="1.0" encoding="utf-8"?>
 <p:sld xmlns:a="http://schemas.openxmlformats.org/drawingml/2006/main" xmlns:r="http://schemas.openxmlformats.org/officeDocument/2006/relationships" xmlns:p="http://schemas.openxmlformats.org/presentationml/2006/main">
   <p:cSld>
@@ -5026,126 +5149,6 @@
           <a:chExt cx="0" cy="0"/>
         </a:xfrm>
       </p:grpSpPr>
-      <p:pic>
-        <p:nvPicPr>
-          <p:cNvPr id="2" name="Picture 1">
-            <a:extLst>
-              <a:ext uri="{FF2B5EF4-FFF2-40B4-BE49-F238E27FC236}">
-                <a16:creationId xmlns:a16="http://schemas.microsoft.com/office/drawing/2014/main" id="{E28676AB-707B-459F-89B0-60186F4EA495}"/>
-              </a:ext>
-            </a:extLst>
-          </p:cNvPr>
-          <p:cNvPicPr>
-            <a:picLocks noChangeAspect="1"/>
-          </p:cNvPicPr>
-          <p:nvPr/>
-        </p:nvPicPr>
-        <p:blipFill>
-          <a:blip r:embed="rId2"/>
-          <a:stretch>
-            <a:fillRect/>
-          </a:stretch>
-        </p:blipFill>
-        <p:spPr>
-          <a:xfrm>
-            <a:off x="0" y="0"/>
-            <a:ext cx="12192000" cy="6858000"/>
-          </a:xfrm>
-          <a:prstGeom prst="rect">
-            <a:avLst/>
-          </a:prstGeom>
-        </p:spPr>
-      </p:pic>
-    </p:spTree>
-    <p:extLst>
-      <p:ext uri="{BB962C8B-B14F-4D97-AF65-F5344CB8AC3E}">
-        <p14:creationId xmlns:p14="http://schemas.microsoft.com/office/powerpoint/2010/main" val="323962104"/>
-      </p:ext>
-    </p:extLst>
-  </p:cSld>
-  <p:clrMapOvr>
-    <a:masterClrMapping/>
-  </p:clrMapOvr>
-</p:sld>
-</file>
-
-<file path=ppt/slides/slide6.xml><?xml version="1.0" encoding="utf-8"?>
-<p:sld xmlns:a="http://schemas.openxmlformats.org/drawingml/2006/main" xmlns:r="http://schemas.openxmlformats.org/officeDocument/2006/relationships" xmlns:p="http://schemas.openxmlformats.org/presentationml/2006/main">
-  <p:cSld>
-    <p:spTree>
-      <p:nvGrpSpPr>
-        <p:cNvPr id="1" name=""/>
-        <p:cNvGrpSpPr/>
-        <p:nvPr/>
-      </p:nvGrpSpPr>
-      <p:grpSpPr>
-        <a:xfrm>
-          <a:off x="0" y="0"/>
-          <a:ext cx="0" cy="0"/>
-          <a:chOff x="0" y="0"/>
-          <a:chExt cx="0" cy="0"/>
-        </a:xfrm>
-      </p:grpSpPr>
-      <p:pic>
-        <p:nvPicPr>
-          <p:cNvPr id="2" name="Picture 1">
-            <a:extLst>
-              <a:ext uri="{FF2B5EF4-FFF2-40B4-BE49-F238E27FC236}">
-                <a16:creationId xmlns:a16="http://schemas.microsoft.com/office/drawing/2014/main" id="{F71C9F0F-1445-4A79-94CF-E0FB03B6039D}"/>
-              </a:ext>
-            </a:extLst>
-          </p:cNvPr>
-          <p:cNvPicPr>
-            <a:picLocks noChangeAspect="1"/>
-          </p:cNvPicPr>
-          <p:nvPr/>
-        </p:nvPicPr>
-        <p:blipFill>
-          <a:blip r:embed="rId2"/>
-          <a:stretch>
-            <a:fillRect/>
-          </a:stretch>
-        </p:blipFill>
-        <p:spPr>
-          <a:xfrm>
-            <a:off x="0" y="0"/>
-            <a:ext cx="12192000" cy="6858000"/>
-          </a:xfrm>
-          <a:prstGeom prst="rect">
-            <a:avLst/>
-          </a:prstGeom>
-        </p:spPr>
-      </p:pic>
-    </p:spTree>
-    <p:extLst>
-      <p:ext uri="{BB962C8B-B14F-4D97-AF65-F5344CB8AC3E}">
-        <p14:creationId xmlns:p14="http://schemas.microsoft.com/office/powerpoint/2010/main" val="2906999491"/>
-      </p:ext>
-    </p:extLst>
-  </p:cSld>
-  <p:clrMapOvr>
-    <a:masterClrMapping/>
-  </p:clrMapOvr>
-</p:sld>
-</file>
-
-<file path=ppt/slides/slide7.xml><?xml version="1.0" encoding="utf-8"?>
-<p:sld xmlns:a="http://schemas.openxmlformats.org/drawingml/2006/main" xmlns:r="http://schemas.openxmlformats.org/officeDocument/2006/relationships" xmlns:p="http://schemas.openxmlformats.org/presentationml/2006/main">
-  <p:cSld>
-    <p:spTree>
-      <p:nvGrpSpPr>
-        <p:cNvPr id="1" name=""/>
-        <p:cNvGrpSpPr/>
-        <p:nvPr/>
-      </p:nvGrpSpPr>
-      <p:grpSpPr>
-        <a:xfrm>
-          <a:off x="0" y="0"/>
-          <a:ext cx="0" cy="0"/>
-          <a:chOff x="0" y="0"/>
-          <a:chExt cx="0" cy="0"/>
-        </a:xfrm>
-      </p:grpSpPr>
       <p:sp>
         <p:nvSpPr>
           <p:cNvPr id="2" name="TextBox 1">
@@ -5341,7 +5344,7 @@
 </p:sld>
 </file>
 
-<file path=ppt/slides/slide8.xml><?xml version="1.0" encoding="utf-8"?>
+<file path=ppt/slides/slide6.xml><?xml version="1.0" encoding="utf-8"?>
 <p:sld xmlns:a="http://schemas.openxmlformats.org/drawingml/2006/main" xmlns:r="http://schemas.openxmlformats.org/officeDocument/2006/relationships" xmlns:p="http://schemas.openxmlformats.org/presentationml/2006/main">
   <p:cSld>
     <p:spTree>
